--- a/LR_WORLD.pptx
+++ b/LR_WORLD.pptx
@@ -5,7 +5,7 @@
     <p:sldMasterId id="2147483648" r:id="rId1"/>
   </p:sldMasterIdLst>
   <p:notesMasterIdLst>
-    <p:notesMasterId r:id="rId10"/>
+    <p:notesMasterId r:id="rId15"/>
   </p:notesMasterIdLst>
   <p:sldIdLst>
     <p:sldId id="257" r:id="rId2"/>
@@ -16,6 +16,11 @@
     <p:sldId id="262" r:id="rId7"/>
     <p:sldId id="263" r:id="rId8"/>
     <p:sldId id="264" r:id="rId9"/>
+    <p:sldId id="266" r:id="rId10"/>
+    <p:sldId id="267" r:id="rId11"/>
+    <p:sldId id="269" r:id="rId12"/>
+    <p:sldId id="270" r:id="rId13"/>
+    <p:sldId id="268" r:id="rId14"/>
   </p:sldIdLst>
   <p:sldSz cx="12192000" cy="6858000"/>
   <p:notesSz cx="6858000" cy="9144000"/>
@@ -204,7 +209,7 @@
           <a:p>
             <a:fld id="{4A7A4C33-3D42-43DD-AFFF-221124E7870D}" type="datetimeFigureOut">
               <a:rPr lang="ko-KR" altLang="en-US" smtClean="0"/>
-              <a:t>2023-05-19</a:t>
+              <a:t>2023-05-24</a:t>
             </a:fld>
             <a:endParaRPr lang="ko-KR" altLang="en-US"/>
           </a:p>
@@ -560,6 +565,273 @@
 </p:notes>
 </file>
 
+<file path=ppt/notesSlides/notesSlide10.xml><?xml version="1.0" encoding="utf-8"?>
+<p:notes xmlns:a="http://schemas.openxmlformats.org/drawingml/2006/main" xmlns:r="http://schemas.openxmlformats.org/officeDocument/2006/relationships" xmlns:p="http://schemas.openxmlformats.org/presentationml/2006/main">
+  <p:cSld>
+    <p:spTree>
+      <p:nvGrpSpPr>
+        <p:cNvPr id="1" name=""/>
+        <p:cNvGrpSpPr/>
+        <p:nvPr/>
+      </p:nvGrpSpPr>
+      <p:grpSpPr>
+        <a:xfrm>
+          <a:off x="0" y="0"/>
+          <a:ext cx="0" cy="0"/>
+          <a:chOff x="0" y="0"/>
+          <a:chExt cx="0" cy="0"/>
+        </a:xfrm>
+      </p:grpSpPr>
+      <p:sp>
+        <p:nvSpPr>
+          <p:cNvPr id="2" name="슬라이드 이미지 개체 틀 1"/>
+          <p:cNvSpPr>
+            <a:spLocks noGrp="1" noRot="1" noChangeAspect="1"/>
+          </p:cNvSpPr>
+          <p:nvPr>
+            <p:ph type="sldImg"/>
+          </p:nvPr>
+        </p:nvSpPr>
+        <p:spPr>
+          <a:xfrm>
+            <a:off x="685800" y="1143000"/>
+            <a:ext cx="5486400" cy="3086100"/>
+          </a:xfrm>
+        </p:spPr>
+      </p:sp>
+      <p:sp>
+        <p:nvSpPr>
+          <p:cNvPr id="3" name="슬라이드 노트 개체 틀 2"/>
+          <p:cNvSpPr>
+            <a:spLocks noGrp="1"/>
+          </p:cNvSpPr>
+          <p:nvPr>
+            <p:ph type="body" idx="1"/>
+          </p:nvPr>
+        </p:nvSpPr>
+        <p:spPr/>
+        <p:txBody>
+          <a:bodyPr/>
+          <a:lstStyle/>
+          <a:p>
+            <a:endParaRPr lang="ko-KR" altLang="en-US" dirty="0"/>
+          </a:p>
+        </p:txBody>
+      </p:sp>
+      <p:sp>
+        <p:nvSpPr>
+          <p:cNvPr id="4" name="슬라이드 번호 개체 틀 3"/>
+          <p:cNvSpPr>
+            <a:spLocks noGrp="1"/>
+          </p:cNvSpPr>
+          <p:nvPr>
+            <p:ph type="sldNum" sz="quarter" idx="5"/>
+          </p:nvPr>
+        </p:nvSpPr>
+        <p:spPr/>
+        <p:txBody>
+          <a:bodyPr/>
+          <a:lstStyle/>
+          <a:p>
+            <a:fld id="{CE1EFD13-43D9-4C85-AA77-E21E85B5C4B1}" type="slidenum">
+              <a:rPr lang="ko-KR" altLang="en-US" smtClean="0"/>
+              <a:t>11</a:t>
+            </a:fld>
+            <a:endParaRPr lang="ko-KR" altLang="en-US" dirty="0"/>
+          </a:p>
+        </p:txBody>
+      </p:sp>
+    </p:spTree>
+    <p:extLst>
+      <p:ext uri="{BB962C8B-B14F-4D97-AF65-F5344CB8AC3E}">
+        <p14:creationId xmlns:p14="http://schemas.microsoft.com/office/powerpoint/2010/main" val="355333484"/>
+      </p:ext>
+    </p:extLst>
+  </p:cSld>
+  <p:clrMapOvr>
+    <a:masterClrMapping/>
+  </p:clrMapOvr>
+</p:notes>
+</file>
+
+<file path=ppt/notesSlides/notesSlide11.xml><?xml version="1.0" encoding="utf-8"?>
+<p:notes xmlns:a="http://schemas.openxmlformats.org/drawingml/2006/main" xmlns:r="http://schemas.openxmlformats.org/officeDocument/2006/relationships" xmlns:p="http://schemas.openxmlformats.org/presentationml/2006/main">
+  <p:cSld>
+    <p:spTree>
+      <p:nvGrpSpPr>
+        <p:cNvPr id="1" name=""/>
+        <p:cNvGrpSpPr/>
+        <p:nvPr/>
+      </p:nvGrpSpPr>
+      <p:grpSpPr>
+        <a:xfrm>
+          <a:off x="0" y="0"/>
+          <a:ext cx="0" cy="0"/>
+          <a:chOff x="0" y="0"/>
+          <a:chExt cx="0" cy="0"/>
+        </a:xfrm>
+      </p:grpSpPr>
+      <p:sp>
+        <p:nvSpPr>
+          <p:cNvPr id="2" name="슬라이드 이미지 개체 틀 1"/>
+          <p:cNvSpPr>
+            <a:spLocks noGrp="1" noRot="1" noChangeAspect="1"/>
+          </p:cNvSpPr>
+          <p:nvPr>
+            <p:ph type="sldImg"/>
+          </p:nvPr>
+        </p:nvSpPr>
+        <p:spPr>
+          <a:xfrm>
+            <a:off x="685800" y="1143000"/>
+            <a:ext cx="5486400" cy="3086100"/>
+          </a:xfrm>
+        </p:spPr>
+      </p:sp>
+      <p:sp>
+        <p:nvSpPr>
+          <p:cNvPr id="3" name="슬라이드 노트 개체 틀 2"/>
+          <p:cNvSpPr>
+            <a:spLocks noGrp="1"/>
+          </p:cNvSpPr>
+          <p:nvPr>
+            <p:ph type="body" idx="1"/>
+          </p:nvPr>
+        </p:nvSpPr>
+        <p:spPr/>
+        <p:txBody>
+          <a:bodyPr/>
+          <a:lstStyle/>
+          <a:p>
+            <a:endParaRPr lang="ko-KR" altLang="en-US" dirty="0"/>
+          </a:p>
+        </p:txBody>
+      </p:sp>
+      <p:sp>
+        <p:nvSpPr>
+          <p:cNvPr id="4" name="슬라이드 번호 개체 틀 3"/>
+          <p:cNvSpPr>
+            <a:spLocks noGrp="1"/>
+          </p:cNvSpPr>
+          <p:nvPr>
+            <p:ph type="sldNum" sz="quarter" idx="5"/>
+          </p:nvPr>
+        </p:nvSpPr>
+        <p:spPr/>
+        <p:txBody>
+          <a:bodyPr/>
+          <a:lstStyle/>
+          <a:p>
+            <a:fld id="{CE1EFD13-43D9-4C85-AA77-E21E85B5C4B1}" type="slidenum">
+              <a:rPr lang="ko-KR" altLang="en-US" smtClean="0"/>
+              <a:t>12</a:t>
+            </a:fld>
+            <a:endParaRPr lang="ko-KR" altLang="en-US" dirty="0"/>
+          </a:p>
+        </p:txBody>
+      </p:sp>
+    </p:spTree>
+    <p:extLst>
+      <p:ext uri="{BB962C8B-B14F-4D97-AF65-F5344CB8AC3E}">
+        <p14:creationId xmlns:p14="http://schemas.microsoft.com/office/powerpoint/2010/main" val="1916791832"/>
+      </p:ext>
+    </p:extLst>
+  </p:cSld>
+  <p:clrMapOvr>
+    <a:masterClrMapping/>
+  </p:clrMapOvr>
+</p:notes>
+</file>
+
+<file path=ppt/notesSlides/notesSlide12.xml><?xml version="1.0" encoding="utf-8"?>
+<p:notes xmlns:a="http://schemas.openxmlformats.org/drawingml/2006/main" xmlns:r="http://schemas.openxmlformats.org/officeDocument/2006/relationships" xmlns:p="http://schemas.openxmlformats.org/presentationml/2006/main">
+  <p:cSld>
+    <p:spTree>
+      <p:nvGrpSpPr>
+        <p:cNvPr id="1" name=""/>
+        <p:cNvGrpSpPr/>
+        <p:nvPr/>
+      </p:nvGrpSpPr>
+      <p:grpSpPr>
+        <a:xfrm>
+          <a:off x="0" y="0"/>
+          <a:ext cx="0" cy="0"/>
+          <a:chOff x="0" y="0"/>
+          <a:chExt cx="0" cy="0"/>
+        </a:xfrm>
+      </p:grpSpPr>
+      <p:sp>
+        <p:nvSpPr>
+          <p:cNvPr id="2" name="슬라이드 이미지 개체 틀 1"/>
+          <p:cNvSpPr>
+            <a:spLocks noGrp="1" noRot="1" noChangeAspect="1"/>
+          </p:cNvSpPr>
+          <p:nvPr>
+            <p:ph type="sldImg"/>
+          </p:nvPr>
+        </p:nvSpPr>
+        <p:spPr>
+          <a:xfrm>
+            <a:off x="685800" y="1143000"/>
+            <a:ext cx="5486400" cy="3086100"/>
+          </a:xfrm>
+        </p:spPr>
+      </p:sp>
+      <p:sp>
+        <p:nvSpPr>
+          <p:cNvPr id="3" name="슬라이드 노트 개체 틀 2"/>
+          <p:cNvSpPr>
+            <a:spLocks noGrp="1"/>
+          </p:cNvSpPr>
+          <p:nvPr>
+            <p:ph type="body" idx="1"/>
+          </p:nvPr>
+        </p:nvSpPr>
+        <p:spPr/>
+        <p:txBody>
+          <a:bodyPr/>
+          <a:lstStyle/>
+          <a:p>
+            <a:endParaRPr lang="ko-KR" altLang="en-US" dirty="0"/>
+          </a:p>
+        </p:txBody>
+      </p:sp>
+      <p:sp>
+        <p:nvSpPr>
+          <p:cNvPr id="4" name="슬라이드 번호 개체 틀 3"/>
+          <p:cNvSpPr>
+            <a:spLocks noGrp="1"/>
+          </p:cNvSpPr>
+          <p:nvPr>
+            <p:ph type="sldNum" sz="quarter" idx="5"/>
+          </p:nvPr>
+        </p:nvSpPr>
+        <p:spPr/>
+        <p:txBody>
+          <a:bodyPr/>
+          <a:lstStyle/>
+          <a:p>
+            <a:fld id="{CE1EFD13-43D9-4C85-AA77-E21E85B5C4B1}" type="slidenum">
+              <a:rPr lang="ko-KR" altLang="en-US" smtClean="0"/>
+              <a:t>13</a:t>
+            </a:fld>
+            <a:endParaRPr lang="ko-KR" altLang="en-US" dirty="0"/>
+          </a:p>
+        </p:txBody>
+      </p:sp>
+    </p:spTree>
+    <p:extLst>
+      <p:ext uri="{BB962C8B-B14F-4D97-AF65-F5344CB8AC3E}">
+        <p14:creationId xmlns:p14="http://schemas.microsoft.com/office/powerpoint/2010/main" val="3974935711"/>
+      </p:ext>
+    </p:extLst>
+  </p:cSld>
+  <p:clrMapOvr>
+    <a:masterClrMapping/>
+  </p:clrMapOvr>
+</p:notes>
+</file>
+
 <file path=ppt/notesSlides/notesSlide2.xml><?xml version="1.0" encoding="utf-8"?>
 <p:notes xmlns:a="http://schemas.openxmlformats.org/drawingml/2006/main" xmlns:r="http://schemas.openxmlformats.org/officeDocument/2006/relationships" xmlns:p="http://schemas.openxmlformats.org/presentationml/2006/main">
   <p:cSld>
@@ -1094,6 +1366,184 @@
 </p:notes>
 </file>
 
+<file path=ppt/notesSlides/notesSlide8.xml><?xml version="1.0" encoding="utf-8"?>
+<p:notes xmlns:a="http://schemas.openxmlformats.org/drawingml/2006/main" xmlns:r="http://schemas.openxmlformats.org/officeDocument/2006/relationships" xmlns:p="http://schemas.openxmlformats.org/presentationml/2006/main">
+  <p:cSld>
+    <p:spTree>
+      <p:nvGrpSpPr>
+        <p:cNvPr id="1" name=""/>
+        <p:cNvGrpSpPr/>
+        <p:nvPr/>
+      </p:nvGrpSpPr>
+      <p:grpSpPr>
+        <a:xfrm>
+          <a:off x="0" y="0"/>
+          <a:ext cx="0" cy="0"/>
+          <a:chOff x="0" y="0"/>
+          <a:chExt cx="0" cy="0"/>
+        </a:xfrm>
+      </p:grpSpPr>
+      <p:sp>
+        <p:nvSpPr>
+          <p:cNvPr id="2" name="슬라이드 이미지 개체 틀 1"/>
+          <p:cNvSpPr>
+            <a:spLocks noGrp="1" noRot="1" noChangeAspect="1"/>
+          </p:cNvSpPr>
+          <p:nvPr>
+            <p:ph type="sldImg"/>
+          </p:nvPr>
+        </p:nvSpPr>
+        <p:spPr>
+          <a:xfrm>
+            <a:off x="685800" y="1143000"/>
+            <a:ext cx="5486400" cy="3086100"/>
+          </a:xfrm>
+        </p:spPr>
+      </p:sp>
+      <p:sp>
+        <p:nvSpPr>
+          <p:cNvPr id="3" name="슬라이드 노트 개체 틀 2"/>
+          <p:cNvSpPr>
+            <a:spLocks noGrp="1"/>
+          </p:cNvSpPr>
+          <p:nvPr>
+            <p:ph type="body" idx="1"/>
+          </p:nvPr>
+        </p:nvSpPr>
+        <p:spPr/>
+        <p:txBody>
+          <a:bodyPr/>
+          <a:lstStyle/>
+          <a:p>
+            <a:endParaRPr lang="ko-KR" altLang="en-US" dirty="0"/>
+          </a:p>
+        </p:txBody>
+      </p:sp>
+      <p:sp>
+        <p:nvSpPr>
+          <p:cNvPr id="4" name="슬라이드 번호 개체 틀 3"/>
+          <p:cNvSpPr>
+            <a:spLocks noGrp="1"/>
+          </p:cNvSpPr>
+          <p:nvPr>
+            <p:ph type="sldNum" sz="quarter" idx="5"/>
+          </p:nvPr>
+        </p:nvSpPr>
+        <p:spPr/>
+        <p:txBody>
+          <a:bodyPr/>
+          <a:lstStyle/>
+          <a:p>
+            <a:fld id="{CE1EFD13-43D9-4C85-AA77-E21E85B5C4B1}" type="slidenum">
+              <a:rPr lang="ko-KR" altLang="en-US" smtClean="0"/>
+              <a:t>9</a:t>
+            </a:fld>
+            <a:endParaRPr lang="ko-KR" altLang="en-US" dirty="0"/>
+          </a:p>
+        </p:txBody>
+      </p:sp>
+    </p:spTree>
+    <p:extLst>
+      <p:ext uri="{BB962C8B-B14F-4D97-AF65-F5344CB8AC3E}">
+        <p14:creationId xmlns:p14="http://schemas.microsoft.com/office/powerpoint/2010/main" val="1741826120"/>
+      </p:ext>
+    </p:extLst>
+  </p:cSld>
+  <p:clrMapOvr>
+    <a:masterClrMapping/>
+  </p:clrMapOvr>
+</p:notes>
+</file>
+
+<file path=ppt/notesSlides/notesSlide9.xml><?xml version="1.0" encoding="utf-8"?>
+<p:notes xmlns:a="http://schemas.openxmlformats.org/drawingml/2006/main" xmlns:r="http://schemas.openxmlformats.org/officeDocument/2006/relationships" xmlns:p="http://schemas.openxmlformats.org/presentationml/2006/main">
+  <p:cSld>
+    <p:spTree>
+      <p:nvGrpSpPr>
+        <p:cNvPr id="1" name=""/>
+        <p:cNvGrpSpPr/>
+        <p:nvPr/>
+      </p:nvGrpSpPr>
+      <p:grpSpPr>
+        <a:xfrm>
+          <a:off x="0" y="0"/>
+          <a:ext cx="0" cy="0"/>
+          <a:chOff x="0" y="0"/>
+          <a:chExt cx="0" cy="0"/>
+        </a:xfrm>
+      </p:grpSpPr>
+      <p:sp>
+        <p:nvSpPr>
+          <p:cNvPr id="2" name="슬라이드 이미지 개체 틀 1"/>
+          <p:cNvSpPr>
+            <a:spLocks noGrp="1" noRot="1" noChangeAspect="1"/>
+          </p:cNvSpPr>
+          <p:nvPr>
+            <p:ph type="sldImg"/>
+          </p:nvPr>
+        </p:nvSpPr>
+        <p:spPr>
+          <a:xfrm>
+            <a:off x="685800" y="1143000"/>
+            <a:ext cx="5486400" cy="3086100"/>
+          </a:xfrm>
+        </p:spPr>
+      </p:sp>
+      <p:sp>
+        <p:nvSpPr>
+          <p:cNvPr id="3" name="슬라이드 노트 개체 틀 2"/>
+          <p:cNvSpPr>
+            <a:spLocks noGrp="1"/>
+          </p:cNvSpPr>
+          <p:nvPr>
+            <p:ph type="body" idx="1"/>
+          </p:nvPr>
+        </p:nvSpPr>
+        <p:spPr/>
+        <p:txBody>
+          <a:bodyPr/>
+          <a:lstStyle/>
+          <a:p>
+            <a:endParaRPr lang="ko-KR" altLang="en-US" dirty="0"/>
+          </a:p>
+        </p:txBody>
+      </p:sp>
+      <p:sp>
+        <p:nvSpPr>
+          <p:cNvPr id="4" name="슬라이드 번호 개체 틀 3"/>
+          <p:cNvSpPr>
+            <a:spLocks noGrp="1"/>
+          </p:cNvSpPr>
+          <p:nvPr>
+            <p:ph type="sldNum" sz="quarter" idx="5"/>
+          </p:nvPr>
+        </p:nvSpPr>
+        <p:spPr/>
+        <p:txBody>
+          <a:bodyPr/>
+          <a:lstStyle/>
+          <a:p>
+            <a:fld id="{CE1EFD13-43D9-4C85-AA77-E21E85B5C4B1}" type="slidenum">
+              <a:rPr lang="ko-KR" altLang="en-US" smtClean="0"/>
+              <a:t>10</a:t>
+            </a:fld>
+            <a:endParaRPr lang="ko-KR" altLang="en-US" dirty="0"/>
+          </a:p>
+        </p:txBody>
+      </p:sp>
+    </p:spTree>
+    <p:extLst>
+      <p:ext uri="{BB962C8B-B14F-4D97-AF65-F5344CB8AC3E}">
+        <p14:creationId xmlns:p14="http://schemas.microsoft.com/office/powerpoint/2010/main" val="1031265081"/>
+      </p:ext>
+    </p:extLst>
+  </p:cSld>
+  <p:clrMapOvr>
+    <a:masterClrMapping/>
+  </p:clrMapOvr>
+</p:notes>
+</file>
+
 <file path=ppt/slideLayouts/slideLayout1.xml><?xml version="1.0" encoding="utf-8"?>
 <p:sldLayout xmlns:a="http://schemas.openxmlformats.org/drawingml/2006/main" xmlns:r="http://schemas.openxmlformats.org/officeDocument/2006/relationships" xmlns:p="http://schemas.openxmlformats.org/presentationml/2006/main" type="blank" preserve="1">
   <p:cSld name="빈 화면">
@@ -1128,7 +1578,7 @@
           <a:p>
             <a:fld id="{DDCAC403-05A5-447B-AE84-1364CB4D3E33}" type="datetime1">
               <a:rPr lang="ko-KR" altLang="en-US" smtClean="0"/>
-              <a:t>2023-05-19</a:t>
+              <a:t>2023-05-24</a:t>
             </a:fld>
             <a:endParaRPr lang="ko-KR" altLang="en-US"/>
           </a:p>
@@ -1353,7 +1803,7 @@
           <a:p>
             <a:fld id="{AEA1F89A-4E07-4907-84E3-C536C7317F00}" type="datetime1">
               <a:rPr lang="ko-KR" altLang="en-US" smtClean="0"/>
-              <a:t>2023-05-19</a:t>
+              <a:t>2023-05-24</a:t>
             </a:fld>
             <a:endParaRPr lang="ko-KR" altLang="en-US"/>
           </a:p>
@@ -1567,7 +2017,7 @@
           <a:p>
             <a:fld id="{CD43A22A-31B6-4164-B880-A65872E56DAA}" type="datetime1">
               <a:rPr lang="ko-KR" altLang="en-US" smtClean="0"/>
-              <a:t>2023-05-19</a:t>
+              <a:t>2023-05-24</a:t>
             </a:fld>
             <a:endParaRPr lang="ko-KR" altLang="en-US"/>
           </a:p>
@@ -2076,6 +2526,3139 @@
     <p:extLst>
       <p:ext uri="{BB962C8B-B14F-4D97-AF65-F5344CB8AC3E}">
         <p14:creationId xmlns:p14="http://schemas.microsoft.com/office/powerpoint/2010/main" val="2158993934"/>
+      </p:ext>
+    </p:extLst>
+  </p:cSld>
+  <p:clrMapOvr>
+    <a:masterClrMapping/>
+  </p:clrMapOvr>
+</p:sld>
+</file>
+
+<file path=ppt/slides/slide10.xml><?xml version="1.0" encoding="utf-8"?>
+<p:sld xmlns:a="http://schemas.openxmlformats.org/drawingml/2006/main" xmlns:r="http://schemas.openxmlformats.org/officeDocument/2006/relationships" xmlns:p="http://schemas.openxmlformats.org/presentationml/2006/main">
+  <p:cSld>
+    <p:spTree>
+      <p:nvGrpSpPr>
+        <p:cNvPr id="1" name=""/>
+        <p:cNvGrpSpPr/>
+        <p:nvPr/>
+      </p:nvGrpSpPr>
+      <p:grpSpPr>
+        <a:xfrm>
+          <a:off x="0" y="0"/>
+          <a:ext cx="0" cy="0"/>
+          <a:chOff x="0" y="0"/>
+          <a:chExt cx="0" cy="0"/>
+        </a:xfrm>
+      </p:grpSpPr>
+      <p:sp>
+        <p:nvSpPr>
+          <p:cNvPr id="8" name="직사각형 7">
+            <a:extLst>
+              <a:ext uri="{FF2B5EF4-FFF2-40B4-BE49-F238E27FC236}">
+                <a16:creationId xmlns:a16="http://schemas.microsoft.com/office/drawing/2014/main" id="{67BFE034-ACE9-425E-A456-EEA0884D50BF}"/>
+              </a:ext>
+            </a:extLst>
+          </p:cNvPr>
+          <p:cNvSpPr/>
+          <p:nvPr/>
+        </p:nvSpPr>
+        <p:spPr>
+          <a:xfrm>
+            <a:off x="335360" y="1340763"/>
+            <a:ext cx="11520372" cy="5015588"/>
+          </a:xfrm>
+          <a:prstGeom prst="rect">
+            <a:avLst/>
+          </a:prstGeom>
+          <a:noFill/>
+          <a:ln w="3175"/>
+        </p:spPr>
+        <p:style>
+          <a:lnRef idx="2">
+            <a:schemeClr val="accent1">
+              <a:shade val="50000"/>
+            </a:schemeClr>
+          </a:lnRef>
+          <a:fillRef idx="1">
+            <a:schemeClr val="accent1"/>
+          </a:fillRef>
+          <a:effectRef idx="0">
+            <a:schemeClr val="accent1"/>
+          </a:effectRef>
+          <a:fontRef idx="minor">
+            <a:schemeClr val="lt1"/>
+          </a:fontRef>
+        </p:style>
+        <p:txBody>
+          <a:bodyPr rtlCol="0" anchor="t"/>
+          <a:lstStyle/>
+          <a:p>
+            <a:pPr>
+              <a:buClr>
+                <a:srgbClr val="3B6EAD"/>
+              </a:buClr>
+            </a:pPr>
+            <a:r>
+              <a:rPr lang="en-US" altLang="ko-KR" dirty="0">
+                <a:solidFill>
+                  <a:schemeClr val="tx1"/>
+                </a:solidFill>
+              </a:rPr>
+              <a:t>MC</a:t>
+            </a:r>
+            <a:r>
+              <a:rPr lang="ko-KR" altLang="en-US" dirty="0">
+                <a:solidFill>
+                  <a:schemeClr val="tx1"/>
+                </a:solidFill>
+              </a:rPr>
+              <a:t>와 </a:t>
+            </a:r>
+            <a:r>
+              <a:rPr lang="en-US" altLang="ko-KR" dirty="0">
+                <a:solidFill>
+                  <a:schemeClr val="tx1"/>
+                </a:solidFill>
+              </a:rPr>
+              <a:t>SARSA, </a:t>
+            </a:r>
+            <a:r>
+              <a:rPr lang="en-US" altLang="ko-KR" dirty="0" err="1">
+                <a:solidFill>
+                  <a:schemeClr val="tx1"/>
+                </a:solidFill>
+              </a:rPr>
+              <a:t>Qlearning</a:t>
+            </a:r>
+            <a:r>
+              <a:rPr lang="ko-KR" altLang="en-US" dirty="0">
+                <a:solidFill>
+                  <a:schemeClr val="tx1"/>
+                </a:solidFill>
+              </a:rPr>
+              <a:t>의 차이</a:t>
+            </a:r>
+            <a:endParaRPr lang="en-US" altLang="ko-KR" dirty="0">
+              <a:solidFill>
+                <a:schemeClr val="tx1"/>
+              </a:solidFill>
+            </a:endParaRPr>
+          </a:p>
+          <a:p>
+            <a:pPr>
+              <a:buClr>
+                <a:srgbClr val="3B6EAD"/>
+              </a:buClr>
+            </a:pPr>
+            <a:endParaRPr lang="en-US" altLang="ko-KR" dirty="0">
+              <a:solidFill>
+                <a:schemeClr val="tx1"/>
+              </a:solidFill>
+            </a:endParaRPr>
+          </a:p>
+          <a:p>
+            <a:pPr>
+              <a:buClr>
+                <a:srgbClr val="3B6EAD"/>
+              </a:buClr>
+            </a:pPr>
+            <a:r>
+              <a:rPr lang="en-US" altLang="ko-KR" b="0" i="0" dirty="0">
+                <a:solidFill>
+                  <a:schemeClr val="tx1"/>
+                </a:solidFill>
+                <a:effectLst/>
+              </a:rPr>
+              <a:t>(0, 1, 0, 1, 0, 1)</a:t>
+            </a:r>
+            <a:r>
+              <a:rPr lang="ko-KR" altLang="en-US" b="0" i="0" dirty="0">
+                <a:solidFill>
+                  <a:schemeClr val="tx1"/>
+                </a:solidFill>
+                <a:effectLst/>
+              </a:rPr>
+              <a:t>의</a:t>
+            </a:r>
+            <a:r>
+              <a:rPr lang="en-US" altLang="ko-KR" b="0" i="0" dirty="0">
+                <a:solidFill>
+                  <a:schemeClr val="tx1"/>
+                </a:solidFill>
+                <a:effectLst/>
+              </a:rPr>
+              <a:t> </a:t>
+            </a:r>
+            <a:r>
+              <a:rPr lang="ko-KR" altLang="en-US" dirty="0">
+                <a:solidFill>
+                  <a:schemeClr val="tx1"/>
+                </a:solidFill>
+              </a:rPr>
+              <a:t>정책을 따랐을 때</a:t>
+            </a:r>
+            <a:r>
+              <a:rPr lang="en-US" altLang="ko-KR" dirty="0">
+                <a:solidFill>
+                  <a:schemeClr val="tx1"/>
+                </a:solidFill>
+              </a:rPr>
+              <a:t>,</a:t>
+            </a:r>
+            <a:r>
+              <a:rPr lang="ko-KR" altLang="en-US" dirty="0">
+                <a:solidFill>
+                  <a:schemeClr val="tx1"/>
+                </a:solidFill>
+              </a:rPr>
+              <a:t> </a:t>
+            </a:r>
+            <a:r>
+              <a:rPr lang="en-US" altLang="ko-KR" dirty="0">
+                <a:solidFill>
+                  <a:schemeClr val="tx1"/>
+                </a:solidFill>
+              </a:rPr>
+              <a:t>(0, 1, 0, 1, 0, 0)</a:t>
+            </a:r>
+            <a:r>
+              <a:rPr lang="ko-KR" altLang="en-US" dirty="0">
+                <a:solidFill>
+                  <a:schemeClr val="tx1"/>
+                </a:solidFill>
+              </a:rPr>
+              <a:t>의 정책을 따랐을 때 </a:t>
+            </a:r>
+            <a:endParaRPr lang="en-US" altLang="ko-KR" dirty="0">
+              <a:solidFill>
+                <a:schemeClr val="tx1"/>
+              </a:solidFill>
+            </a:endParaRPr>
+          </a:p>
+          <a:p>
+            <a:pPr>
+              <a:buClr>
+                <a:srgbClr val="3B6EAD"/>
+              </a:buClr>
+            </a:pPr>
+            <a:r>
+              <a:rPr lang="ko-KR" altLang="en-US" dirty="0">
+                <a:solidFill>
+                  <a:schemeClr val="tx1"/>
+                </a:solidFill>
+              </a:rPr>
+              <a:t>두 정책의 </a:t>
+            </a:r>
+            <a:r>
+              <a:rPr lang="en-US" altLang="ko-KR" dirty="0" err="1">
+                <a:solidFill>
+                  <a:schemeClr val="tx1"/>
+                </a:solidFill>
+              </a:rPr>
+              <a:t>action_value</a:t>
+            </a:r>
+            <a:r>
+              <a:rPr lang="en-US" altLang="ko-KR" dirty="0">
+                <a:solidFill>
+                  <a:schemeClr val="tx1"/>
+                </a:solidFill>
+              </a:rPr>
+              <a:t> </a:t>
+            </a:r>
+            <a:r>
+              <a:rPr lang="ko-KR" altLang="en-US" dirty="0">
+                <a:solidFill>
+                  <a:schemeClr val="tx1"/>
+                </a:solidFill>
+              </a:rPr>
+              <a:t>업데이트 값이 다르다</a:t>
+            </a:r>
+            <a:r>
+              <a:rPr lang="en-US" altLang="ko-KR" dirty="0">
+                <a:solidFill>
+                  <a:schemeClr val="tx1"/>
+                </a:solidFill>
+              </a:rPr>
+              <a:t>. </a:t>
+            </a:r>
+          </a:p>
+          <a:p>
+            <a:pPr>
+              <a:buClr>
+                <a:srgbClr val="3B6EAD"/>
+              </a:buClr>
+            </a:pPr>
+            <a:endParaRPr lang="en-US" altLang="ko-KR" dirty="0">
+              <a:solidFill>
+                <a:schemeClr val="tx1"/>
+              </a:solidFill>
+            </a:endParaRPr>
+          </a:p>
+          <a:p>
+            <a:pPr>
+              <a:buClr>
+                <a:srgbClr val="3B6EAD"/>
+              </a:buClr>
+            </a:pPr>
+            <a:r>
+              <a:rPr lang="en-US" altLang="ko-KR" dirty="0">
+                <a:solidFill>
+                  <a:schemeClr val="tx1"/>
+                </a:solidFill>
+              </a:rPr>
+              <a:t>MC = (0, 1, 0, 1, 0, 1)-&gt;</a:t>
+            </a:r>
+            <a:r>
+              <a:rPr lang="en-US" altLang="ko-KR" dirty="0" err="1">
+                <a:solidFill>
+                  <a:schemeClr val="tx1"/>
+                </a:solidFill>
+              </a:rPr>
+              <a:t>cum_reward</a:t>
+            </a:r>
+            <a:r>
+              <a:rPr lang="en-US" altLang="ko-KR" dirty="0">
+                <a:solidFill>
+                  <a:schemeClr val="tx1"/>
+                </a:solidFill>
+              </a:rPr>
+              <a:t> = 0 ,    (0, 1, 0, 1, 0, 0) -&gt; </a:t>
+            </a:r>
+            <a:r>
+              <a:rPr lang="en-US" altLang="ko-KR" dirty="0" err="1">
+                <a:solidFill>
+                  <a:schemeClr val="tx1"/>
+                </a:solidFill>
+              </a:rPr>
+              <a:t>cum_reward</a:t>
+            </a:r>
+            <a:r>
+              <a:rPr lang="en-US" altLang="ko-KR" dirty="0">
+                <a:solidFill>
+                  <a:schemeClr val="tx1"/>
+                </a:solidFill>
+              </a:rPr>
+              <a:t> = 999</a:t>
+            </a:r>
+          </a:p>
+          <a:p>
+            <a:pPr>
+              <a:buClr>
+                <a:srgbClr val="3B6EAD"/>
+              </a:buClr>
+            </a:pPr>
+            <a:r>
+              <a:rPr lang="en-US" altLang="ko-KR" dirty="0">
+                <a:solidFill>
+                  <a:schemeClr val="tx1"/>
+                </a:solidFill>
+              </a:rPr>
+              <a:t>MC = (0, 1, 0, 1, 0) action(1)</a:t>
+            </a:r>
+            <a:r>
+              <a:rPr lang="ko-KR" altLang="en-US" dirty="0">
+                <a:solidFill>
+                  <a:schemeClr val="tx1"/>
+                </a:solidFill>
+              </a:rPr>
+              <a:t>의 값 </a:t>
+            </a:r>
+            <a:r>
+              <a:rPr lang="en-US" altLang="ko-KR" dirty="0">
+                <a:solidFill>
+                  <a:schemeClr val="tx1"/>
+                </a:solidFill>
+              </a:rPr>
+              <a:t>0     </a:t>
+            </a:r>
+            <a:r>
+              <a:rPr lang="ko-KR" altLang="en-US" dirty="0">
+                <a:solidFill>
+                  <a:schemeClr val="tx1"/>
+                </a:solidFill>
+              </a:rPr>
+              <a:t>  </a:t>
+            </a:r>
+            <a:r>
+              <a:rPr lang="en-US" altLang="ko-KR" dirty="0">
+                <a:solidFill>
+                  <a:schemeClr val="tx1"/>
+                </a:solidFill>
+              </a:rPr>
+              <a:t>,    (0, 1, 0, 1, 0) action(0)</a:t>
+            </a:r>
+            <a:r>
+              <a:rPr lang="ko-KR" altLang="en-US" dirty="0">
+                <a:solidFill>
+                  <a:schemeClr val="tx1"/>
+                </a:solidFill>
+              </a:rPr>
+              <a:t>의 값</a:t>
+            </a:r>
+            <a:r>
+              <a:rPr lang="en-US" altLang="ko-KR" dirty="0">
+                <a:solidFill>
+                  <a:schemeClr val="tx1"/>
+                </a:solidFill>
+              </a:rPr>
+              <a:t> </a:t>
+            </a:r>
+            <a:r>
+              <a:rPr lang="ko-KR" altLang="en-US" dirty="0">
+                <a:solidFill>
+                  <a:schemeClr val="tx1"/>
+                </a:solidFill>
+              </a:rPr>
+              <a:t> </a:t>
+            </a:r>
+            <a:r>
+              <a:rPr lang="en-US" altLang="ko-KR" dirty="0">
+                <a:solidFill>
+                  <a:schemeClr val="tx1"/>
+                </a:solidFill>
+              </a:rPr>
+              <a:t>999</a:t>
+            </a:r>
+            <a:r>
+              <a:rPr lang="ko-KR" altLang="en-US" dirty="0">
+                <a:solidFill>
+                  <a:schemeClr val="tx1"/>
+                </a:solidFill>
+              </a:rPr>
+              <a:t>    </a:t>
+            </a:r>
+            <a:endParaRPr lang="en-US" altLang="ko-KR" dirty="0">
+              <a:solidFill>
+                <a:schemeClr val="tx1"/>
+              </a:solidFill>
+            </a:endParaRPr>
+          </a:p>
+          <a:p>
+            <a:pPr>
+              <a:buClr>
+                <a:srgbClr val="3B6EAD"/>
+              </a:buClr>
+            </a:pPr>
+            <a:r>
+              <a:rPr lang="en-US" altLang="ko-KR" dirty="0">
+                <a:solidFill>
+                  <a:schemeClr val="tx1"/>
+                </a:solidFill>
+              </a:rPr>
+              <a:t>MC = (0, 1) action(0)</a:t>
+            </a:r>
+            <a:r>
+              <a:rPr lang="ko-KR" altLang="en-US" dirty="0">
+                <a:solidFill>
+                  <a:schemeClr val="tx1"/>
+                </a:solidFill>
+              </a:rPr>
+              <a:t>의 값 </a:t>
+            </a:r>
+            <a:r>
+              <a:rPr lang="en-US" altLang="ko-KR" dirty="0">
+                <a:solidFill>
+                  <a:schemeClr val="tx1"/>
+                </a:solidFill>
+              </a:rPr>
+              <a:t>-1                ,    (0, 1) action(0)</a:t>
+            </a:r>
+            <a:r>
+              <a:rPr lang="ko-KR" altLang="en-US" dirty="0">
+                <a:solidFill>
+                  <a:schemeClr val="tx1"/>
+                </a:solidFill>
+              </a:rPr>
+              <a:t>의</a:t>
+            </a:r>
+            <a:r>
+              <a:rPr lang="en-US" altLang="ko-KR" dirty="0">
+                <a:solidFill>
+                  <a:schemeClr val="tx1"/>
+                </a:solidFill>
+              </a:rPr>
+              <a:t> </a:t>
+            </a:r>
+            <a:r>
+              <a:rPr lang="ko-KR" altLang="en-US" dirty="0">
+                <a:solidFill>
+                  <a:schemeClr val="tx1"/>
+                </a:solidFill>
+              </a:rPr>
+              <a:t>값   </a:t>
+            </a:r>
+            <a:r>
+              <a:rPr lang="en-US" altLang="ko-KR" dirty="0">
+                <a:solidFill>
+                  <a:schemeClr val="tx1"/>
+                </a:solidFill>
+              </a:rPr>
+              <a:t>998</a:t>
+            </a:r>
+          </a:p>
+          <a:p>
+            <a:pPr>
+              <a:buClr>
+                <a:srgbClr val="3B6EAD"/>
+              </a:buClr>
+            </a:pPr>
+            <a:endParaRPr lang="en-US" altLang="ko-KR" dirty="0">
+              <a:solidFill>
+                <a:schemeClr val="tx1"/>
+              </a:solidFill>
+            </a:endParaRPr>
+          </a:p>
+          <a:p>
+            <a:pPr>
+              <a:buClr>
+                <a:srgbClr val="3B6EAD"/>
+              </a:buClr>
+            </a:pPr>
+            <a:r>
+              <a:rPr lang="en-US" altLang="ko-KR" dirty="0" err="1">
+                <a:solidFill>
+                  <a:schemeClr val="tx1"/>
+                </a:solidFill>
+              </a:rPr>
+              <a:t>Qlearning</a:t>
+            </a:r>
+            <a:r>
+              <a:rPr lang="en-US" altLang="ko-KR" dirty="0">
+                <a:solidFill>
+                  <a:schemeClr val="tx1"/>
+                </a:solidFill>
+              </a:rPr>
+              <a:t> = (0, 1, 0, 1, 0, 1)-&gt;</a:t>
+            </a:r>
+            <a:r>
+              <a:rPr lang="en-US" altLang="ko-KR" dirty="0" err="1">
+                <a:solidFill>
+                  <a:schemeClr val="tx1"/>
+                </a:solidFill>
+              </a:rPr>
+              <a:t>cum_reward</a:t>
+            </a:r>
+            <a:r>
+              <a:rPr lang="en-US" altLang="ko-KR" dirty="0">
+                <a:solidFill>
+                  <a:schemeClr val="tx1"/>
+                </a:solidFill>
+              </a:rPr>
+              <a:t> = 0 ,    (0, 1, 0, 1, 0, 0) -&gt; </a:t>
+            </a:r>
+            <a:r>
+              <a:rPr lang="en-US" altLang="ko-KR" dirty="0" err="1">
+                <a:solidFill>
+                  <a:schemeClr val="tx1"/>
+                </a:solidFill>
+              </a:rPr>
+              <a:t>cum_reward</a:t>
+            </a:r>
+            <a:r>
+              <a:rPr lang="en-US" altLang="ko-KR" dirty="0">
+                <a:solidFill>
+                  <a:schemeClr val="tx1"/>
+                </a:solidFill>
+              </a:rPr>
+              <a:t> = 999</a:t>
+            </a:r>
+          </a:p>
+          <a:p>
+            <a:pPr>
+              <a:buClr>
+                <a:srgbClr val="3B6EAD"/>
+              </a:buClr>
+            </a:pPr>
+            <a:r>
+              <a:rPr lang="en-US" altLang="ko-KR" dirty="0" err="1">
+                <a:solidFill>
+                  <a:schemeClr val="tx1"/>
+                </a:solidFill>
+              </a:rPr>
+              <a:t>Qlearning</a:t>
+            </a:r>
+            <a:r>
+              <a:rPr lang="en-US" altLang="ko-KR" dirty="0">
+                <a:solidFill>
+                  <a:schemeClr val="tx1"/>
+                </a:solidFill>
+              </a:rPr>
+              <a:t> = (0, 1, 0, 1, 0) action(1)</a:t>
+            </a:r>
+            <a:r>
+              <a:rPr lang="ko-KR" altLang="en-US" dirty="0">
+                <a:solidFill>
+                  <a:schemeClr val="tx1"/>
+                </a:solidFill>
+              </a:rPr>
+              <a:t>의 값 </a:t>
+            </a:r>
+            <a:r>
+              <a:rPr lang="en-US" altLang="ko-KR" dirty="0">
+                <a:solidFill>
+                  <a:schemeClr val="tx1"/>
+                </a:solidFill>
+              </a:rPr>
+              <a:t>999</a:t>
+            </a:r>
+            <a:r>
+              <a:rPr lang="ko-KR" altLang="en-US" dirty="0">
+                <a:solidFill>
+                  <a:schemeClr val="tx1"/>
+                </a:solidFill>
+              </a:rPr>
+              <a:t>    </a:t>
+            </a:r>
+            <a:r>
+              <a:rPr lang="en-US" altLang="ko-KR" dirty="0">
+                <a:solidFill>
+                  <a:schemeClr val="tx1"/>
+                </a:solidFill>
+              </a:rPr>
+              <a:t>, (0, 1, 0, 1, 0) action(0) </a:t>
+            </a:r>
+            <a:r>
+              <a:rPr lang="ko-KR" altLang="en-US" dirty="0">
+                <a:solidFill>
+                  <a:schemeClr val="tx1"/>
+                </a:solidFill>
+              </a:rPr>
+              <a:t>의 값</a:t>
+            </a:r>
+            <a:r>
+              <a:rPr lang="en-US" altLang="ko-KR" dirty="0">
+                <a:solidFill>
+                  <a:schemeClr val="tx1"/>
+                </a:solidFill>
+              </a:rPr>
+              <a:t> </a:t>
+            </a:r>
+            <a:r>
+              <a:rPr lang="ko-KR" altLang="en-US" dirty="0">
+                <a:solidFill>
+                  <a:schemeClr val="tx1"/>
+                </a:solidFill>
+              </a:rPr>
+              <a:t> </a:t>
+            </a:r>
+            <a:r>
+              <a:rPr lang="en-US" altLang="ko-KR" dirty="0">
+                <a:solidFill>
+                  <a:schemeClr val="tx1"/>
+                </a:solidFill>
+              </a:rPr>
+              <a:t>999</a:t>
+            </a:r>
+            <a:r>
+              <a:rPr lang="ko-KR" altLang="en-US" dirty="0">
+                <a:solidFill>
+                  <a:schemeClr val="tx1"/>
+                </a:solidFill>
+              </a:rPr>
+              <a:t>   </a:t>
+            </a:r>
+            <a:endParaRPr lang="en-US" altLang="ko-KR" dirty="0">
+              <a:solidFill>
+                <a:schemeClr val="tx1"/>
+              </a:solidFill>
+            </a:endParaRPr>
+          </a:p>
+          <a:p>
+            <a:pPr>
+              <a:buClr>
+                <a:srgbClr val="3B6EAD"/>
+              </a:buClr>
+            </a:pPr>
+            <a:r>
+              <a:rPr lang="en-US" altLang="ko-KR" dirty="0" err="1">
+                <a:solidFill>
+                  <a:schemeClr val="tx1"/>
+                </a:solidFill>
+              </a:rPr>
+              <a:t>Qlearning</a:t>
+            </a:r>
+            <a:r>
+              <a:rPr lang="en-US" altLang="ko-KR" dirty="0">
+                <a:solidFill>
+                  <a:schemeClr val="tx1"/>
+                </a:solidFill>
+              </a:rPr>
+              <a:t> = (0, 1) action(0)</a:t>
+            </a:r>
+            <a:r>
+              <a:rPr lang="ko-KR" altLang="en-US" dirty="0">
+                <a:solidFill>
+                  <a:schemeClr val="tx1"/>
+                </a:solidFill>
+              </a:rPr>
+              <a:t>의 값 </a:t>
+            </a:r>
+            <a:r>
+              <a:rPr lang="en-US" altLang="ko-KR" dirty="0">
+                <a:solidFill>
+                  <a:schemeClr val="tx1"/>
+                </a:solidFill>
+              </a:rPr>
+              <a:t>998              ,     (0, 1) action(0)</a:t>
+            </a:r>
+            <a:r>
+              <a:rPr lang="ko-KR" altLang="en-US" dirty="0">
+                <a:solidFill>
+                  <a:schemeClr val="tx1"/>
+                </a:solidFill>
+              </a:rPr>
+              <a:t>의</a:t>
+            </a:r>
+            <a:r>
+              <a:rPr lang="en-US" altLang="ko-KR" dirty="0">
+                <a:solidFill>
+                  <a:schemeClr val="tx1"/>
+                </a:solidFill>
+              </a:rPr>
+              <a:t> </a:t>
+            </a:r>
+            <a:r>
+              <a:rPr lang="ko-KR" altLang="en-US" dirty="0">
+                <a:solidFill>
+                  <a:schemeClr val="tx1"/>
+                </a:solidFill>
+              </a:rPr>
+              <a:t>값   </a:t>
+            </a:r>
+            <a:r>
+              <a:rPr lang="en-US" altLang="ko-KR" dirty="0">
+                <a:solidFill>
+                  <a:schemeClr val="tx1"/>
+                </a:solidFill>
+              </a:rPr>
+              <a:t>998</a:t>
+            </a:r>
+          </a:p>
+          <a:p>
+            <a:pPr>
+              <a:buClr>
+                <a:srgbClr val="3B6EAD"/>
+              </a:buClr>
+            </a:pPr>
+            <a:endParaRPr lang="en-US" altLang="ko-KR" dirty="0">
+              <a:solidFill>
+                <a:schemeClr val="tx1"/>
+              </a:solidFill>
+            </a:endParaRPr>
+          </a:p>
+          <a:p>
+            <a:pPr>
+              <a:buClr>
+                <a:srgbClr val="3B6EAD"/>
+              </a:buClr>
+            </a:pPr>
+            <a:r>
+              <a:rPr lang="en-US" altLang="ko-KR" dirty="0">
+                <a:solidFill>
+                  <a:schemeClr val="tx1"/>
+                </a:solidFill>
+              </a:rPr>
+              <a:t>SARSA = (0, 1, 0, 1, 0, 1)-&gt;</a:t>
+            </a:r>
+            <a:r>
+              <a:rPr lang="en-US" altLang="ko-KR" dirty="0" err="1">
+                <a:solidFill>
+                  <a:schemeClr val="tx1"/>
+                </a:solidFill>
+              </a:rPr>
+              <a:t>cum_reward</a:t>
+            </a:r>
+            <a:r>
+              <a:rPr lang="en-US" altLang="ko-KR" dirty="0">
+                <a:solidFill>
+                  <a:schemeClr val="tx1"/>
+                </a:solidFill>
+              </a:rPr>
+              <a:t> = 0 ,    (0, 1, 0, 1, 0, 0) -&gt; </a:t>
+            </a:r>
+            <a:r>
+              <a:rPr lang="en-US" altLang="ko-KR" dirty="0" err="1">
+                <a:solidFill>
+                  <a:schemeClr val="tx1"/>
+                </a:solidFill>
+              </a:rPr>
+              <a:t>cum_reward</a:t>
+            </a:r>
+            <a:r>
+              <a:rPr lang="en-US" altLang="ko-KR" dirty="0">
+                <a:solidFill>
+                  <a:schemeClr val="tx1"/>
+                </a:solidFill>
+              </a:rPr>
+              <a:t> = 999</a:t>
+            </a:r>
+          </a:p>
+          <a:p>
+            <a:pPr>
+              <a:buClr>
+                <a:srgbClr val="3B6EAD"/>
+              </a:buClr>
+            </a:pPr>
+            <a:r>
+              <a:rPr lang="en-US" altLang="ko-KR" dirty="0">
+                <a:solidFill>
+                  <a:schemeClr val="tx1"/>
+                </a:solidFill>
+              </a:rPr>
+              <a:t>SARSA = (0, 1, 0, 1, 0) action(1)</a:t>
+            </a:r>
+            <a:r>
+              <a:rPr lang="ko-KR" altLang="en-US" dirty="0">
+                <a:solidFill>
+                  <a:schemeClr val="tx1"/>
+                </a:solidFill>
+              </a:rPr>
+              <a:t>의 값 </a:t>
+            </a:r>
+            <a:r>
+              <a:rPr lang="en-US" altLang="ko-KR" dirty="0">
+                <a:solidFill>
+                  <a:schemeClr val="tx1"/>
+                </a:solidFill>
+              </a:rPr>
+              <a:t>0      </a:t>
+            </a:r>
+            <a:r>
+              <a:rPr lang="ko-KR" altLang="en-US" dirty="0">
+                <a:solidFill>
+                  <a:schemeClr val="tx1"/>
+                </a:solidFill>
+              </a:rPr>
+              <a:t> </a:t>
+            </a:r>
+            <a:r>
+              <a:rPr lang="en-US" altLang="ko-KR" dirty="0">
+                <a:solidFill>
+                  <a:schemeClr val="tx1"/>
+                </a:solidFill>
+              </a:rPr>
+              <a:t>,    (0, 1, 0, 1) action(1)</a:t>
+            </a:r>
+            <a:r>
+              <a:rPr lang="ko-KR" altLang="en-US" dirty="0">
+                <a:solidFill>
+                  <a:schemeClr val="tx1"/>
+                </a:solidFill>
+              </a:rPr>
+              <a:t>의 값</a:t>
+            </a:r>
+            <a:r>
+              <a:rPr lang="en-US" altLang="ko-KR" dirty="0">
+                <a:solidFill>
+                  <a:schemeClr val="tx1"/>
+                </a:solidFill>
+              </a:rPr>
+              <a:t> </a:t>
+            </a:r>
+            <a:r>
+              <a:rPr lang="ko-KR" altLang="en-US" dirty="0">
+                <a:solidFill>
+                  <a:schemeClr val="tx1"/>
+                </a:solidFill>
+              </a:rPr>
+              <a:t> </a:t>
+            </a:r>
+            <a:r>
+              <a:rPr lang="en-US" altLang="ko-KR" dirty="0">
+                <a:solidFill>
+                  <a:schemeClr val="tx1"/>
+                </a:solidFill>
+              </a:rPr>
+              <a:t>998</a:t>
+            </a:r>
+            <a:r>
+              <a:rPr lang="ko-KR" altLang="en-US" dirty="0">
+                <a:solidFill>
+                  <a:schemeClr val="tx1"/>
+                </a:solidFill>
+              </a:rPr>
+              <a:t>    </a:t>
+            </a:r>
+            <a:endParaRPr lang="en-US" altLang="ko-KR" dirty="0">
+              <a:solidFill>
+                <a:schemeClr val="tx1"/>
+              </a:solidFill>
+            </a:endParaRPr>
+          </a:p>
+          <a:p>
+            <a:pPr>
+              <a:buClr>
+                <a:srgbClr val="3B6EAD"/>
+              </a:buClr>
+            </a:pPr>
+            <a:r>
+              <a:rPr lang="en-US" altLang="ko-KR" dirty="0">
+                <a:solidFill>
+                  <a:schemeClr val="tx1"/>
+                </a:solidFill>
+              </a:rPr>
+              <a:t>SARSA = (0, 1) action(0)</a:t>
+            </a:r>
+            <a:r>
+              <a:rPr lang="ko-KR" altLang="en-US" dirty="0">
+                <a:solidFill>
+                  <a:schemeClr val="tx1"/>
+                </a:solidFill>
+              </a:rPr>
+              <a:t>의 값 </a:t>
+            </a:r>
+            <a:r>
+              <a:rPr lang="en-US" altLang="ko-KR" dirty="0">
+                <a:solidFill>
+                  <a:schemeClr val="tx1"/>
+                </a:solidFill>
+              </a:rPr>
+              <a:t>998             ,     (0, 1) action(0)</a:t>
+            </a:r>
+            <a:r>
+              <a:rPr lang="ko-KR" altLang="en-US" dirty="0">
+                <a:solidFill>
+                  <a:schemeClr val="tx1"/>
+                </a:solidFill>
+              </a:rPr>
+              <a:t>의</a:t>
+            </a:r>
+            <a:r>
+              <a:rPr lang="en-US" altLang="ko-KR" dirty="0">
+                <a:solidFill>
+                  <a:schemeClr val="tx1"/>
+                </a:solidFill>
+              </a:rPr>
+              <a:t> </a:t>
+            </a:r>
+            <a:r>
+              <a:rPr lang="ko-KR" altLang="en-US" dirty="0">
+                <a:solidFill>
+                  <a:schemeClr val="tx1"/>
+                </a:solidFill>
+              </a:rPr>
+              <a:t>값   </a:t>
+            </a:r>
+            <a:r>
+              <a:rPr lang="en-US" altLang="ko-KR" dirty="0">
+                <a:solidFill>
+                  <a:schemeClr val="tx1"/>
+                </a:solidFill>
+              </a:rPr>
+              <a:t>998</a:t>
+            </a:r>
+          </a:p>
+          <a:p>
+            <a:pPr>
+              <a:buClr>
+                <a:srgbClr val="3B6EAD"/>
+              </a:buClr>
+            </a:pPr>
+            <a:endParaRPr lang="en-US" altLang="ko-KR" dirty="0">
+              <a:solidFill>
+                <a:schemeClr val="tx1"/>
+              </a:solidFill>
+            </a:endParaRPr>
+          </a:p>
+          <a:p>
+            <a:pPr>
+              <a:buClr>
+                <a:srgbClr val="3B6EAD"/>
+              </a:buClr>
+            </a:pPr>
+            <a:endParaRPr lang="en-US" altLang="ko-KR" dirty="0">
+              <a:solidFill>
+                <a:schemeClr val="tx1"/>
+              </a:solidFill>
+            </a:endParaRPr>
+          </a:p>
+          <a:p>
+            <a:pPr>
+              <a:buClr>
+                <a:srgbClr val="3B6EAD"/>
+              </a:buClr>
+            </a:pPr>
+            <a:endParaRPr lang="en-US" altLang="ko-KR" dirty="0">
+              <a:solidFill>
+                <a:schemeClr val="tx1"/>
+              </a:solidFill>
+            </a:endParaRPr>
+          </a:p>
+        </p:txBody>
+      </p:sp>
+      <p:cxnSp>
+        <p:nvCxnSpPr>
+          <p:cNvPr id="6" name="직선 연결선 5">
+            <a:extLst>
+              <a:ext uri="{FF2B5EF4-FFF2-40B4-BE49-F238E27FC236}">
+                <a16:creationId xmlns:a16="http://schemas.microsoft.com/office/drawing/2014/main" id="{E3805091-7B22-4443-AC84-39E89A1DCC8B}"/>
+              </a:ext>
+            </a:extLst>
+          </p:cNvPr>
+          <p:cNvCxnSpPr>
+            <a:cxnSpLocks/>
+          </p:cNvCxnSpPr>
+          <p:nvPr/>
+        </p:nvCxnSpPr>
+        <p:spPr>
+          <a:xfrm>
+            <a:off x="335360" y="764704"/>
+            <a:ext cx="11520372" cy="0"/>
+          </a:xfrm>
+          <a:prstGeom prst="line">
+            <a:avLst/>
+          </a:prstGeom>
+          <a:ln w="28575"/>
+        </p:spPr>
+        <p:style>
+          <a:lnRef idx="1">
+            <a:schemeClr val="accent1"/>
+          </a:lnRef>
+          <a:fillRef idx="0">
+            <a:schemeClr val="accent1"/>
+          </a:fillRef>
+          <a:effectRef idx="0">
+            <a:schemeClr val="accent1"/>
+          </a:effectRef>
+          <a:fontRef idx="minor">
+            <a:schemeClr val="tx1"/>
+          </a:fontRef>
+        </p:style>
+      </p:cxnSp>
+      <p:sp>
+        <p:nvSpPr>
+          <p:cNvPr id="7" name="TextBox 6">
+            <a:extLst>
+              <a:ext uri="{FF2B5EF4-FFF2-40B4-BE49-F238E27FC236}">
+                <a16:creationId xmlns:a16="http://schemas.microsoft.com/office/drawing/2014/main" id="{B5A887B7-ED84-4E0D-9BA0-744E56A2B453}"/>
+              </a:ext>
+            </a:extLst>
+          </p:cNvPr>
+          <p:cNvSpPr txBox="1"/>
+          <p:nvPr/>
+        </p:nvSpPr>
+        <p:spPr>
+          <a:xfrm>
+            <a:off x="335360" y="188641"/>
+            <a:ext cx="7200800" cy="646331"/>
+          </a:xfrm>
+          <a:prstGeom prst="rect">
+            <a:avLst/>
+          </a:prstGeom>
+          <a:noFill/>
+        </p:spPr>
+        <p:txBody>
+          <a:bodyPr wrap="square" rtlCol="0">
+            <a:spAutoFit/>
+          </a:bodyPr>
+          <a:lstStyle/>
+          <a:p>
+            <a:r>
+              <a:rPr lang="en-US" altLang="ko-KR" sz="3600" dirty="0">
+                <a:solidFill>
+                  <a:srgbClr val="3B6EAD"/>
+                </a:solidFill>
+                <a:latin typeface="KoPubWorld돋움체 Bold" panose="00000800000000000000" pitchFamily="2" charset="-127"/>
+                <a:ea typeface="KoPubWorld돋움체 Bold" panose="00000800000000000000" pitchFamily="2" charset="-127"/>
+                <a:cs typeface="KoPubWorld돋움체 Bold" panose="00000800000000000000" pitchFamily="2" charset="-127"/>
+              </a:rPr>
+              <a:t>LR WORLD</a:t>
+            </a:r>
+            <a:endParaRPr lang="ko-KR" altLang="en-US" sz="3600" dirty="0">
+              <a:solidFill>
+                <a:srgbClr val="3B6EAD"/>
+              </a:solidFill>
+              <a:latin typeface="KoPubWorld돋움체 Bold" panose="00000800000000000000" pitchFamily="2" charset="-127"/>
+              <a:ea typeface="KoPubWorld돋움체 Bold" panose="00000800000000000000" pitchFamily="2" charset="-127"/>
+              <a:cs typeface="KoPubWorld돋움체 Bold" panose="00000800000000000000" pitchFamily="2" charset="-127"/>
+            </a:endParaRPr>
+          </a:p>
+        </p:txBody>
+      </p:sp>
+      <p:sp>
+        <p:nvSpPr>
+          <p:cNvPr id="9" name="직사각형 8">
+            <a:extLst>
+              <a:ext uri="{FF2B5EF4-FFF2-40B4-BE49-F238E27FC236}">
+                <a16:creationId xmlns:a16="http://schemas.microsoft.com/office/drawing/2014/main" id="{CEB51307-0E2E-48CE-A782-864AE9FEACCF}"/>
+              </a:ext>
+            </a:extLst>
+          </p:cNvPr>
+          <p:cNvSpPr/>
+          <p:nvPr/>
+        </p:nvSpPr>
+        <p:spPr>
+          <a:xfrm>
+            <a:off x="336268" y="863961"/>
+            <a:ext cx="11520372" cy="476802"/>
+          </a:xfrm>
+          <a:prstGeom prst="rect">
+            <a:avLst/>
+          </a:prstGeom>
+          <a:ln w="3175"/>
+        </p:spPr>
+        <p:style>
+          <a:lnRef idx="2">
+            <a:schemeClr val="accent1">
+              <a:shade val="50000"/>
+            </a:schemeClr>
+          </a:lnRef>
+          <a:fillRef idx="1">
+            <a:schemeClr val="accent1"/>
+          </a:fillRef>
+          <a:effectRef idx="0">
+            <a:schemeClr val="accent1"/>
+          </a:effectRef>
+          <a:fontRef idx="minor">
+            <a:schemeClr val="lt1"/>
+          </a:fontRef>
+        </p:style>
+        <p:txBody>
+          <a:bodyPr rtlCol="0" anchor="b"/>
+          <a:lstStyle/>
+          <a:p>
+            <a:pPr algn="ctr"/>
+            <a:r>
+              <a:rPr lang="ko-KR" altLang="en-US" sz="2400" b="1" dirty="0">
+                <a:latin typeface="KoPubWorld돋움체 Bold" panose="00000800000000000000" pitchFamily="2" charset="-127"/>
+                <a:ea typeface="KoPubWorld돋움체 Bold" panose="00000800000000000000" pitchFamily="2" charset="-127"/>
+                <a:cs typeface="KoPubWorld돋움체 Bold" panose="00000800000000000000" pitchFamily="2" charset="-127"/>
+              </a:rPr>
+              <a:t>결과 분석</a:t>
+            </a:r>
+          </a:p>
+        </p:txBody>
+      </p:sp>
+      <p:sp>
+        <p:nvSpPr>
+          <p:cNvPr id="4" name="슬라이드 번호 개체 틀 3">
+            <a:extLst>
+              <a:ext uri="{FF2B5EF4-FFF2-40B4-BE49-F238E27FC236}">
+                <a16:creationId xmlns:a16="http://schemas.microsoft.com/office/drawing/2014/main" id="{480223BB-FB30-495A-94E2-B1138BCBA358}"/>
+              </a:ext>
+            </a:extLst>
+          </p:cNvPr>
+          <p:cNvSpPr>
+            <a:spLocks noGrp="1"/>
+          </p:cNvSpPr>
+          <p:nvPr>
+            <p:ph type="sldNum" sz="quarter" idx="12"/>
+          </p:nvPr>
+        </p:nvSpPr>
+        <p:spPr/>
+        <p:txBody>
+          <a:bodyPr/>
+          <a:lstStyle/>
+          <a:p>
+            <a:fld id="{4BEDD84E-25D4-4983-8AA1-2863C96F08D9}" type="slidenum">
+              <a:rPr lang="ko-KR" altLang="en-US" smtClean="0"/>
+              <a:pPr/>
+              <a:t>10</a:t>
+            </a:fld>
+            <a:endParaRPr lang="ko-KR" altLang="en-US" dirty="0"/>
+          </a:p>
+        </p:txBody>
+      </p:sp>
+    </p:spTree>
+    <p:extLst>
+      <p:ext uri="{BB962C8B-B14F-4D97-AF65-F5344CB8AC3E}">
+        <p14:creationId xmlns:p14="http://schemas.microsoft.com/office/powerpoint/2010/main" val="552728362"/>
+      </p:ext>
+    </p:extLst>
+  </p:cSld>
+  <p:clrMapOvr>
+    <a:masterClrMapping/>
+  </p:clrMapOvr>
+</p:sld>
+</file>
+
+<file path=ppt/slides/slide11.xml><?xml version="1.0" encoding="utf-8"?>
+<p:sld xmlns:a="http://schemas.openxmlformats.org/drawingml/2006/main" xmlns:r="http://schemas.openxmlformats.org/officeDocument/2006/relationships" xmlns:p="http://schemas.openxmlformats.org/presentationml/2006/main">
+  <p:cSld>
+    <p:spTree>
+      <p:nvGrpSpPr>
+        <p:cNvPr id="1" name=""/>
+        <p:cNvGrpSpPr/>
+        <p:nvPr/>
+      </p:nvGrpSpPr>
+      <p:grpSpPr>
+        <a:xfrm>
+          <a:off x="0" y="0"/>
+          <a:ext cx="0" cy="0"/>
+          <a:chOff x="0" y="0"/>
+          <a:chExt cx="0" cy="0"/>
+        </a:xfrm>
+      </p:grpSpPr>
+      <p:sp>
+        <p:nvSpPr>
+          <p:cNvPr id="8" name="직사각형 7">
+            <a:extLst>
+              <a:ext uri="{FF2B5EF4-FFF2-40B4-BE49-F238E27FC236}">
+                <a16:creationId xmlns:a16="http://schemas.microsoft.com/office/drawing/2014/main" id="{67BFE034-ACE9-425E-A456-EEA0884D50BF}"/>
+              </a:ext>
+            </a:extLst>
+          </p:cNvPr>
+          <p:cNvSpPr/>
+          <p:nvPr/>
+        </p:nvSpPr>
+        <p:spPr>
+          <a:xfrm>
+            <a:off x="335360" y="1340763"/>
+            <a:ext cx="11520372" cy="5015588"/>
+          </a:xfrm>
+          <a:prstGeom prst="rect">
+            <a:avLst/>
+          </a:prstGeom>
+          <a:noFill/>
+          <a:ln w="3175"/>
+        </p:spPr>
+        <p:style>
+          <a:lnRef idx="2">
+            <a:schemeClr val="accent1">
+              <a:shade val="50000"/>
+            </a:schemeClr>
+          </a:lnRef>
+          <a:fillRef idx="1">
+            <a:schemeClr val="accent1"/>
+          </a:fillRef>
+          <a:effectRef idx="0">
+            <a:schemeClr val="accent1"/>
+          </a:effectRef>
+          <a:fontRef idx="minor">
+            <a:schemeClr val="lt1"/>
+          </a:fontRef>
+        </p:style>
+        <p:txBody>
+          <a:bodyPr rtlCol="0" anchor="t"/>
+          <a:lstStyle/>
+          <a:p>
+            <a:pPr>
+              <a:buClr>
+                <a:srgbClr val="3B6EAD"/>
+              </a:buClr>
+            </a:pPr>
+            <a:r>
+              <a:rPr lang="en-US" altLang="ko-KR" dirty="0">
+                <a:solidFill>
+                  <a:schemeClr val="tx1"/>
+                </a:solidFill>
+              </a:rPr>
+              <a:t>MC = </a:t>
+            </a:r>
+            <a:r>
+              <a:rPr lang="ko-KR" altLang="en-US" dirty="0">
+                <a:solidFill>
+                  <a:schemeClr val="tx1"/>
+                </a:solidFill>
+              </a:rPr>
+              <a:t>정책 한 번 잘못하면 그 과정에 있는 모든 값들이 잘못 평가된다</a:t>
+            </a:r>
+            <a:r>
+              <a:rPr lang="en-US" altLang="ko-KR" dirty="0">
+                <a:solidFill>
+                  <a:schemeClr val="tx1"/>
+                </a:solidFill>
+              </a:rPr>
+              <a:t>.</a:t>
+            </a:r>
+          </a:p>
+          <a:p>
+            <a:pPr>
+              <a:buClr>
+                <a:srgbClr val="3B6EAD"/>
+              </a:buClr>
+            </a:pPr>
+            <a:endParaRPr lang="en-US" altLang="ko-KR" dirty="0">
+              <a:solidFill>
+                <a:schemeClr val="tx1"/>
+              </a:solidFill>
+            </a:endParaRPr>
+          </a:p>
+          <a:p>
+            <a:pPr>
+              <a:buClr>
+                <a:srgbClr val="3B6EAD"/>
+              </a:buClr>
+            </a:pPr>
+            <a:endParaRPr lang="en-US" altLang="ko-KR" dirty="0">
+              <a:solidFill>
+                <a:schemeClr val="tx1"/>
+              </a:solidFill>
+            </a:endParaRPr>
+          </a:p>
+          <a:p>
+            <a:pPr>
+              <a:buClr>
+                <a:srgbClr val="3B6EAD"/>
+              </a:buClr>
+            </a:pPr>
+            <a:r>
+              <a:rPr lang="en-US" altLang="ko-KR" dirty="0" err="1">
+                <a:solidFill>
+                  <a:schemeClr val="tx1"/>
+                </a:solidFill>
+              </a:rPr>
+              <a:t>Qlearning</a:t>
+            </a:r>
+            <a:r>
+              <a:rPr lang="en-US" altLang="ko-KR" dirty="0">
+                <a:solidFill>
+                  <a:schemeClr val="tx1"/>
+                </a:solidFill>
+              </a:rPr>
+              <a:t> = </a:t>
+            </a:r>
+            <a:r>
+              <a:rPr lang="ko-KR" altLang="en-US" dirty="0">
+                <a:solidFill>
+                  <a:schemeClr val="tx1"/>
+                </a:solidFill>
+              </a:rPr>
+              <a:t>잘못된 정책을 선택하더라도 값들이 잘못 평가되는 일이 없다</a:t>
+            </a:r>
+            <a:r>
+              <a:rPr lang="en-US" altLang="ko-KR" dirty="0">
+                <a:solidFill>
+                  <a:schemeClr val="tx1"/>
+                </a:solidFill>
+              </a:rPr>
+              <a:t>.</a:t>
+            </a:r>
+          </a:p>
+          <a:p>
+            <a:pPr>
+              <a:buClr>
+                <a:srgbClr val="3B6EAD"/>
+              </a:buClr>
+            </a:pPr>
+            <a:endParaRPr lang="en-US" altLang="ko-KR" dirty="0">
+              <a:solidFill>
+                <a:schemeClr val="tx1"/>
+              </a:solidFill>
+            </a:endParaRPr>
+          </a:p>
+          <a:p>
+            <a:pPr>
+              <a:buClr>
+                <a:srgbClr val="3B6EAD"/>
+              </a:buClr>
+            </a:pPr>
+            <a:endParaRPr lang="en-US" altLang="ko-KR" dirty="0">
+              <a:solidFill>
+                <a:schemeClr val="tx1"/>
+              </a:solidFill>
+            </a:endParaRPr>
+          </a:p>
+          <a:p>
+            <a:pPr>
+              <a:buClr>
+                <a:srgbClr val="3B6EAD"/>
+              </a:buClr>
+            </a:pPr>
+            <a:r>
+              <a:rPr lang="en-US" altLang="ko-KR" dirty="0">
+                <a:solidFill>
+                  <a:schemeClr val="tx1"/>
+                </a:solidFill>
+              </a:rPr>
+              <a:t>SARSA = </a:t>
+            </a:r>
+            <a:r>
+              <a:rPr lang="ko-KR" altLang="en-US" dirty="0">
+                <a:solidFill>
+                  <a:schemeClr val="tx1"/>
+                </a:solidFill>
+              </a:rPr>
+              <a:t>정책을 잘못 결정한 시점의 값만 잘못 평가된다</a:t>
+            </a:r>
+            <a:r>
+              <a:rPr lang="en-US" altLang="ko-KR" dirty="0">
+                <a:solidFill>
+                  <a:schemeClr val="tx1"/>
+                </a:solidFill>
+              </a:rPr>
+              <a:t>.</a:t>
+            </a:r>
+          </a:p>
+          <a:p>
+            <a:pPr>
+              <a:buClr>
+                <a:srgbClr val="3B6EAD"/>
+              </a:buClr>
+            </a:pPr>
+            <a:endParaRPr lang="en-US" altLang="ko-KR" dirty="0">
+              <a:solidFill>
+                <a:schemeClr val="tx1"/>
+              </a:solidFill>
+            </a:endParaRPr>
+          </a:p>
+        </p:txBody>
+      </p:sp>
+      <p:cxnSp>
+        <p:nvCxnSpPr>
+          <p:cNvPr id="6" name="직선 연결선 5">
+            <a:extLst>
+              <a:ext uri="{FF2B5EF4-FFF2-40B4-BE49-F238E27FC236}">
+                <a16:creationId xmlns:a16="http://schemas.microsoft.com/office/drawing/2014/main" id="{E3805091-7B22-4443-AC84-39E89A1DCC8B}"/>
+              </a:ext>
+            </a:extLst>
+          </p:cNvPr>
+          <p:cNvCxnSpPr>
+            <a:cxnSpLocks/>
+          </p:cNvCxnSpPr>
+          <p:nvPr/>
+        </p:nvCxnSpPr>
+        <p:spPr>
+          <a:xfrm>
+            <a:off x="335360" y="764704"/>
+            <a:ext cx="11520372" cy="0"/>
+          </a:xfrm>
+          <a:prstGeom prst="line">
+            <a:avLst/>
+          </a:prstGeom>
+          <a:ln w="28575"/>
+        </p:spPr>
+        <p:style>
+          <a:lnRef idx="1">
+            <a:schemeClr val="accent1"/>
+          </a:lnRef>
+          <a:fillRef idx="0">
+            <a:schemeClr val="accent1"/>
+          </a:fillRef>
+          <a:effectRef idx="0">
+            <a:schemeClr val="accent1"/>
+          </a:effectRef>
+          <a:fontRef idx="minor">
+            <a:schemeClr val="tx1"/>
+          </a:fontRef>
+        </p:style>
+      </p:cxnSp>
+      <p:sp>
+        <p:nvSpPr>
+          <p:cNvPr id="7" name="TextBox 6">
+            <a:extLst>
+              <a:ext uri="{FF2B5EF4-FFF2-40B4-BE49-F238E27FC236}">
+                <a16:creationId xmlns:a16="http://schemas.microsoft.com/office/drawing/2014/main" id="{B5A887B7-ED84-4E0D-9BA0-744E56A2B453}"/>
+              </a:ext>
+            </a:extLst>
+          </p:cNvPr>
+          <p:cNvSpPr txBox="1"/>
+          <p:nvPr/>
+        </p:nvSpPr>
+        <p:spPr>
+          <a:xfrm>
+            <a:off x="335360" y="188641"/>
+            <a:ext cx="7200800" cy="646331"/>
+          </a:xfrm>
+          <a:prstGeom prst="rect">
+            <a:avLst/>
+          </a:prstGeom>
+          <a:noFill/>
+        </p:spPr>
+        <p:txBody>
+          <a:bodyPr wrap="square" rtlCol="0">
+            <a:spAutoFit/>
+          </a:bodyPr>
+          <a:lstStyle/>
+          <a:p>
+            <a:r>
+              <a:rPr lang="en-US" altLang="ko-KR" sz="3600" dirty="0">
+                <a:solidFill>
+                  <a:srgbClr val="3B6EAD"/>
+                </a:solidFill>
+                <a:latin typeface="KoPubWorld돋움체 Bold" panose="00000800000000000000" pitchFamily="2" charset="-127"/>
+                <a:ea typeface="KoPubWorld돋움체 Bold" panose="00000800000000000000" pitchFamily="2" charset="-127"/>
+                <a:cs typeface="KoPubWorld돋움체 Bold" panose="00000800000000000000" pitchFamily="2" charset="-127"/>
+              </a:rPr>
+              <a:t>LR WORLD</a:t>
+            </a:r>
+            <a:endParaRPr lang="ko-KR" altLang="en-US" sz="3600" dirty="0">
+              <a:solidFill>
+                <a:srgbClr val="3B6EAD"/>
+              </a:solidFill>
+              <a:latin typeface="KoPubWorld돋움체 Bold" panose="00000800000000000000" pitchFamily="2" charset="-127"/>
+              <a:ea typeface="KoPubWorld돋움체 Bold" panose="00000800000000000000" pitchFamily="2" charset="-127"/>
+              <a:cs typeface="KoPubWorld돋움체 Bold" panose="00000800000000000000" pitchFamily="2" charset="-127"/>
+            </a:endParaRPr>
+          </a:p>
+        </p:txBody>
+      </p:sp>
+      <p:sp>
+        <p:nvSpPr>
+          <p:cNvPr id="9" name="직사각형 8">
+            <a:extLst>
+              <a:ext uri="{FF2B5EF4-FFF2-40B4-BE49-F238E27FC236}">
+                <a16:creationId xmlns:a16="http://schemas.microsoft.com/office/drawing/2014/main" id="{CEB51307-0E2E-48CE-A782-864AE9FEACCF}"/>
+              </a:ext>
+            </a:extLst>
+          </p:cNvPr>
+          <p:cNvSpPr/>
+          <p:nvPr/>
+        </p:nvSpPr>
+        <p:spPr>
+          <a:xfrm>
+            <a:off x="336268" y="863961"/>
+            <a:ext cx="11520372" cy="476802"/>
+          </a:xfrm>
+          <a:prstGeom prst="rect">
+            <a:avLst/>
+          </a:prstGeom>
+          <a:ln w="3175"/>
+        </p:spPr>
+        <p:style>
+          <a:lnRef idx="2">
+            <a:schemeClr val="accent1">
+              <a:shade val="50000"/>
+            </a:schemeClr>
+          </a:lnRef>
+          <a:fillRef idx="1">
+            <a:schemeClr val="accent1"/>
+          </a:fillRef>
+          <a:effectRef idx="0">
+            <a:schemeClr val="accent1"/>
+          </a:effectRef>
+          <a:fontRef idx="minor">
+            <a:schemeClr val="lt1"/>
+          </a:fontRef>
+        </p:style>
+        <p:txBody>
+          <a:bodyPr rtlCol="0" anchor="b"/>
+          <a:lstStyle/>
+          <a:p>
+            <a:pPr algn="ctr"/>
+            <a:r>
+              <a:rPr lang="ko-KR" altLang="en-US" sz="2400" b="1" dirty="0">
+                <a:latin typeface="KoPubWorld돋움체 Bold" panose="00000800000000000000" pitchFamily="2" charset="-127"/>
+                <a:ea typeface="KoPubWorld돋움체 Bold" panose="00000800000000000000" pitchFamily="2" charset="-127"/>
+                <a:cs typeface="KoPubWorld돋움체 Bold" panose="00000800000000000000" pitchFamily="2" charset="-127"/>
+              </a:rPr>
+              <a:t>결과 분석</a:t>
+            </a:r>
+          </a:p>
+        </p:txBody>
+      </p:sp>
+      <p:sp>
+        <p:nvSpPr>
+          <p:cNvPr id="4" name="슬라이드 번호 개체 틀 3">
+            <a:extLst>
+              <a:ext uri="{FF2B5EF4-FFF2-40B4-BE49-F238E27FC236}">
+                <a16:creationId xmlns:a16="http://schemas.microsoft.com/office/drawing/2014/main" id="{480223BB-FB30-495A-94E2-B1138BCBA358}"/>
+              </a:ext>
+            </a:extLst>
+          </p:cNvPr>
+          <p:cNvSpPr>
+            <a:spLocks noGrp="1"/>
+          </p:cNvSpPr>
+          <p:nvPr>
+            <p:ph type="sldNum" sz="quarter" idx="12"/>
+          </p:nvPr>
+        </p:nvSpPr>
+        <p:spPr/>
+        <p:txBody>
+          <a:bodyPr/>
+          <a:lstStyle/>
+          <a:p>
+            <a:fld id="{4BEDD84E-25D4-4983-8AA1-2863C96F08D9}" type="slidenum">
+              <a:rPr lang="ko-KR" altLang="en-US" smtClean="0"/>
+              <a:pPr/>
+              <a:t>11</a:t>
+            </a:fld>
+            <a:endParaRPr lang="ko-KR" altLang="en-US" dirty="0"/>
+          </a:p>
+        </p:txBody>
+      </p:sp>
+    </p:spTree>
+    <p:extLst>
+      <p:ext uri="{BB962C8B-B14F-4D97-AF65-F5344CB8AC3E}">
+        <p14:creationId xmlns:p14="http://schemas.microsoft.com/office/powerpoint/2010/main" val="2689060147"/>
+      </p:ext>
+    </p:extLst>
+  </p:cSld>
+  <p:clrMapOvr>
+    <a:masterClrMapping/>
+  </p:clrMapOvr>
+</p:sld>
+</file>
+
+<file path=ppt/slides/slide12.xml><?xml version="1.0" encoding="utf-8"?>
+<p:sld xmlns:a="http://schemas.openxmlformats.org/drawingml/2006/main" xmlns:r="http://schemas.openxmlformats.org/officeDocument/2006/relationships" xmlns:p="http://schemas.openxmlformats.org/presentationml/2006/main">
+  <p:cSld>
+    <p:spTree>
+      <p:nvGrpSpPr>
+        <p:cNvPr id="1" name=""/>
+        <p:cNvGrpSpPr/>
+        <p:nvPr/>
+      </p:nvGrpSpPr>
+      <p:grpSpPr>
+        <a:xfrm>
+          <a:off x="0" y="0"/>
+          <a:ext cx="0" cy="0"/>
+          <a:chOff x="0" y="0"/>
+          <a:chExt cx="0" cy="0"/>
+        </a:xfrm>
+      </p:grpSpPr>
+      <p:sp>
+        <p:nvSpPr>
+          <p:cNvPr id="8" name="직사각형 7">
+            <a:extLst>
+              <a:ext uri="{FF2B5EF4-FFF2-40B4-BE49-F238E27FC236}">
+                <a16:creationId xmlns:a16="http://schemas.microsoft.com/office/drawing/2014/main" id="{67BFE034-ACE9-425E-A456-EEA0884D50BF}"/>
+              </a:ext>
+            </a:extLst>
+          </p:cNvPr>
+          <p:cNvSpPr/>
+          <p:nvPr/>
+        </p:nvSpPr>
+        <p:spPr>
+          <a:xfrm>
+            <a:off x="335360" y="1340763"/>
+            <a:ext cx="11520372" cy="5015588"/>
+          </a:xfrm>
+          <a:prstGeom prst="rect">
+            <a:avLst/>
+          </a:prstGeom>
+          <a:noFill/>
+          <a:ln w="3175"/>
+        </p:spPr>
+        <p:style>
+          <a:lnRef idx="2">
+            <a:schemeClr val="accent1">
+              <a:shade val="50000"/>
+            </a:schemeClr>
+          </a:lnRef>
+          <a:fillRef idx="1">
+            <a:schemeClr val="accent1"/>
+          </a:fillRef>
+          <a:effectRef idx="0">
+            <a:schemeClr val="accent1"/>
+          </a:effectRef>
+          <a:fontRef idx="minor">
+            <a:schemeClr val="lt1"/>
+          </a:fontRef>
+        </p:style>
+        <p:txBody>
+          <a:bodyPr rtlCol="0" anchor="t"/>
+          <a:lstStyle/>
+          <a:p>
+            <a:pPr marL="342900" indent="-342900">
+              <a:lnSpc>
+                <a:spcPct val="150000"/>
+              </a:lnSpc>
+              <a:buClr>
+                <a:srgbClr val="3B6EAD"/>
+              </a:buClr>
+              <a:buFont typeface="Arial" panose="020B0604020202020204" pitchFamily="34" charset="0"/>
+              <a:buChar char="•"/>
+            </a:pPr>
+            <a:r>
+              <a:rPr lang="en-US" altLang="ko-KR" dirty="0">
+                <a:solidFill>
+                  <a:schemeClr val="tx1"/>
+                </a:solidFill>
+              </a:rPr>
+              <a:t>SARSA</a:t>
+            </a:r>
+            <a:r>
+              <a:rPr lang="ko-KR" altLang="en-US" dirty="0">
+                <a:solidFill>
+                  <a:schemeClr val="tx1"/>
+                </a:solidFill>
+              </a:rPr>
+              <a:t>의 경우 항상 앞에서부터 업데이트 해가기 때문에 운 좋게 여러 번 가지 않는 이상 학습되기 어렵다</a:t>
+            </a:r>
+            <a:r>
+              <a:rPr lang="en-US" altLang="ko-KR" dirty="0">
+                <a:solidFill>
+                  <a:schemeClr val="tx1"/>
+                </a:solidFill>
+              </a:rPr>
+              <a:t>. </a:t>
+            </a:r>
+            <a:r>
+              <a:rPr lang="en-US" altLang="ko-KR" dirty="0">
+                <a:solidFill>
+                  <a:srgbClr val="FF0000"/>
+                </a:solidFill>
+              </a:rPr>
+              <a:t>(0,1,0,1,0,0)</a:t>
+            </a:r>
+            <a:r>
+              <a:rPr lang="ko-KR" altLang="en-US" dirty="0">
+                <a:solidFill>
+                  <a:schemeClr val="tx1"/>
+                </a:solidFill>
+              </a:rPr>
+              <a:t>의 정책을 한 번 수행하게 되었을 경우 </a:t>
+            </a:r>
+            <a:r>
+              <a:rPr lang="en-US" altLang="ko-KR" dirty="0">
+                <a:solidFill>
+                  <a:schemeClr val="tx1"/>
+                </a:solidFill>
+              </a:rPr>
+              <a:t>(0, 1, 0, 1, 0) action(0)</a:t>
+            </a:r>
+            <a:r>
+              <a:rPr lang="ko-KR" altLang="en-US" dirty="0">
+                <a:solidFill>
+                  <a:schemeClr val="tx1"/>
+                </a:solidFill>
+              </a:rPr>
+              <a:t>의 값만 </a:t>
+            </a:r>
+            <a:r>
+              <a:rPr lang="en-US" altLang="ko-KR" dirty="0">
+                <a:solidFill>
+                  <a:schemeClr val="tx1"/>
+                </a:solidFill>
+              </a:rPr>
+              <a:t>999</a:t>
+            </a:r>
+            <a:r>
+              <a:rPr lang="ko-KR" altLang="en-US" dirty="0">
+                <a:solidFill>
+                  <a:schemeClr val="tx1"/>
+                </a:solidFill>
+              </a:rPr>
+              <a:t>로 업데이트 되게 된다</a:t>
+            </a:r>
+            <a:r>
+              <a:rPr lang="en-US" altLang="ko-KR" dirty="0">
+                <a:solidFill>
+                  <a:schemeClr val="tx1"/>
+                </a:solidFill>
+              </a:rPr>
+              <a:t>. </a:t>
+            </a:r>
+            <a:r>
+              <a:rPr lang="ko-KR" altLang="en-US" dirty="0">
+                <a:solidFill>
+                  <a:schemeClr val="tx1"/>
+                </a:solidFill>
+              </a:rPr>
+              <a:t>그 다음 </a:t>
+            </a:r>
+            <a:r>
+              <a:rPr lang="en-US" altLang="ko-KR" dirty="0">
+                <a:solidFill>
+                  <a:srgbClr val="FF0000"/>
+                </a:solidFill>
+              </a:rPr>
+              <a:t>(0,1,0,1,0,0)</a:t>
+            </a:r>
+            <a:r>
+              <a:rPr lang="ko-KR" altLang="en-US" dirty="0">
+                <a:solidFill>
+                  <a:schemeClr val="tx1"/>
+                </a:solidFill>
+              </a:rPr>
+              <a:t>이 수행되면 </a:t>
+            </a:r>
+            <a:r>
+              <a:rPr lang="en-US" altLang="ko-KR" dirty="0">
+                <a:solidFill>
+                  <a:schemeClr val="tx1"/>
+                </a:solidFill>
+              </a:rPr>
+              <a:t>(0, 1, 0, 1) action(0)</a:t>
+            </a:r>
+            <a:r>
+              <a:rPr lang="ko-KR" altLang="en-US" dirty="0">
+                <a:solidFill>
+                  <a:schemeClr val="tx1"/>
+                </a:solidFill>
+              </a:rPr>
+              <a:t>의 값이 </a:t>
+            </a:r>
+            <a:r>
+              <a:rPr lang="en-US" altLang="ko-KR" dirty="0">
+                <a:solidFill>
+                  <a:schemeClr val="tx1"/>
+                </a:solidFill>
+              </a:rPr>
+              <a:t>998</a:t>
+            </a:r>
+            <a:r>
+              <a:rPr lang="ko-KR" altLang="en-US" dirty="0">
+                <a:solidFill>
+                  <a:schemeClr val="tx1"/>
+                </a:solidFill>
+              </a:rPr>
+              <a:t>으로</a:t>
+            </a:r>
+            <a:r>
+              <a:rPr lang="en-US" altLang="ko-KR" dirty="0">
+                <a:solidFill>
+                  <a:schemeClr val="tx1"/>
+                </a:solidFill>
+              </a:rPr>
+              <a:t> </a:t>
+            </a:r>
+            <a:r>
+              <a:rPr lang="ko-KR" altLang="en-US" dirty="0">
+                <a:solidFill>
+                  <a:schemeClr val="tx1"/>
+                </a:solidFill>
+              </a:rPr>
+              <a:t>학습된다</a:t>
+            </a:r>
+            <a:r>
+              <a:rPr lang="en-US" altLang="ko-KR" dirty="0">
+                <a:solidFill>
+                  <a:schemeClr val="tx1"/>
+                </a:solidFill>
+              </a:rPr>
+              <a:t>.                                    </a:t>
+            </a:r>
+            <a:r>
+              <a:rPr lang="en-US" altLang="ko-KR" dirty="0">
+                <a:solidFill>
+                  <a:srgbClr val="FF0000"/>
+                </a:solidFill>
+              </a:rPr>
+              <a:t>(6</a:t>
+            </a:r>
+            <a:r>
+              <a:rPr lang="ko-KR" altLang="en-US" dirty="0">
+                <a:solidFill>
+                  <a:srgbClr val="FF0000"/>
+                </a:solidFill>
+              </a:rPr>
+              <a:t>번 </a:t>
+            </a:r>
+            <a:r>
+              <a:rPr lang="en-US" altLang="ko-KR" dirty="0">
+                <a:solidFill>
+                  <a:srgbClr val="FF0000"/>
+                </a:solidFill>
+              </a:rPr>
+              <a:t>(0,1,0,1,0,0)</a:t>
+            </a:r>
+            <a:r>
+              <a:rPr lang="ko-KR" altLang="en-US" dirty="0">
+                <a:solidFill>
+                  <a:srgbClr val="FF0000"/>
+                </a:solidFill>
+              </a:rPr>
+              <a:t>에 도달해야 </a:t>
+            </a:r>
+            <a:r>
+              <a:rPr lang="en-US" altLang="ko-KR" dirty="0">
+                <a:solidFill>
+                  <a:srgbClr val="FF0000"/>
+                </a:solidFill>
+              </a:rPr>
+              <a:t>()action(0)</a:t>
+            </a:r>
+            <a:r>
+              <a:rPr lang="ko-KR" altLang="en-US" dirty="0">
+                <a:solidFill>
+                  <a:srgbClr val="FF0000"/>
+                </a:solidFill>
+              </a:rPr>
+              <a:t>의 값까지 학습된다</a:t>
+            </a:r>
+            <a:r>
+              <a:rPr lang="en-US" altLang="ko-KR" dirty="0">
+                <a:solidFill>
+                  <a:srgbClr val="FF0000"/>
+                </a:solidFill>
+              </a:rPr>
+              <a:t>.)</a:t>
+            </a:r>
+          </a:p>
+          <a:p>
+            <a:pPr marL="342900" indent="-342900">
+              <a:lnSpc>
+                <a:spcPct val="150000"/>
+              </a:lnSpc>
+              <a:buClr>
+                <a:srgbClr val="3B6EAD"/>
+              </a:buClr>
+              <a:buFont typeface="Arial" panose="020B0604020202020204" pitchFamily="34" charset="0"/>
+              <a:buChar char="•"/>
+            </a:pPr>
+            <a:endParaRPr lang="en-US" altLang="ko-KR" dirty="0">
+              <a:solidFill>
+                <a:schemeClr val="tx1"/>
+              </a:solidFill>
+            </a:endParaRPr>
+          </a:p>
+          <a:p>
+            <a:pPr marL="342900" indent="-342900">
+              <a:lnSpc>
+                <a:spcPct val="150000"/>
+              </a:lnSpc>
+              <a:buClr>
+                <a:srgbClr val="3B6EAD"/>
+              </a:buClr>
+              <a:buFont typeface="Arial" panose="020B0604020202020204" pitchFamily="34" charset="0"/>
+              <a:buChar char="•"/>
+            </a:pPr>
+            <a:r>
+              <a:rPr lang="en-US" altLang="ko-KR" dirty="0" err="1">
+                <a:solidFill>
+                  <a:schemeClr val="tx1"/>
+                </a:solidFill>
+              </a:rPr>
+              <a:t>Qlearning</a:t>
+            </a:r>
+            <a:r>
+              <a:rPr lang="ko-KR" altLang="en-US" dirty="0">
+                <a:solidFill>
+                  <a:schemeClr val="tx1"/>
+                </a:solidFill>
+              </a:rPr>
+              <a:t>은 </a:t>
+            </a:r>
+            <a:r>
+              <a:rPr lang="en-US" altLang="ko-KR" dirty="0">
+                <a:solidFill>
+                  <a:srgbClr val="FF0000"/>
+                </a:solidFill>
+              </a:rPr>
+              <a:t>(0, 1, 0, 1, 0, 0)</a:t>
+            </a:r>
+            <a:r>
+              <a:rPr lang="ko-KR" altLang="en-US" dirty="0">
+                <a:solidFill>
+                  <a:schemeClr val="tx1"/>
+                </a:solidFill>
+              </a:rPr>
+              <a:t>이 한 번 수행 되었다면 </a:t>
+            </a:r>
+            <a:r>
+              <a:rPr lang="en-US" altLang="ko-KR" dirty="0">
+                <a:solidFill>
+                  <a:srgbClr val="FF0000"/>
+                </a:solidFill>
+              </a:rPr>
+              <a:t>(0, 1, 0, 1, 0)</a:t>
+            </a:r>
+            <a:r>
+              <a:rPr lang="ko-KR" altLang="en-US" dirty="0">
+                <a:solidFill>
+                  <a:schemeClr val="tx1"/>
+                </a:solidFill>
+              </a:rPr>
+              <a:t>까지만 도달하더라도 </a:t>
+            </a:r>
+            <a:r>
+              <a:rPr lang="en-US" altLang="ko-KR" dirty="0">
+                <a:solidFill>
+                  <a:schemeClr val="tx1"/>
+                </a:solidFill>
+              </a:rPr>
+              <a:t>(0, 1, 0, 1) action(0)</a:t>
+            </a:r>
+            <a:r>
+              <a:rPr lang="ko-KR" altLang="en-US" dirty="0">
+                <a:solidFill>
+                  <a:schemeClr val="tx1"/>
+                </a:solidFill>
+              </a:rPr>
+              <a:t>의 값을 학습시킬 수 있다</a:t>
+            </a:r>
+            <a:r>
+              <a:rPr lang="en-US" altLang="ko-KR" dirty="0">
+                <a:solidFill>
+                  <a:schemeClr val="tx1"/>
+                </a:solidFill>
+              </a:rPr>
+              <a:t>.  (SARSA</a:t>
+            </a:r>
+            <a:r>
+              <a:rPr lang="ko-KR" altLang="en-US" dirty="0">
+                <a:solidFill>
+                  <a:schemeClr val="tx1"/>
+                </a:solidFill>
+              </a:rPr>
+              <a:t>보단 쉽지만 그래도 학습에 운이 따른다</a:t>
+            </a:r>
+            <a:r>
+              <a:rPr lang="en-US" altLang="ko-KR" dirty="0">
+                <a:solidFill>
+                  <a:schemeClr val="tx1"/>
+                </a:solidFill>
+              </a:rPr>
+              <a:t>.)</a:t>
+            </a:r>
+          </a:p>
+          <a:p>
+            <a:pPr marL="285750" indent="-285750">
+              <a:lnSpc>
+                <a:spcPct val="150000"/>
+              </a:lnSpc>
+              <a:buClr>
+                <a:srgbClr val="3B6EAD"/>
+              </a:buClr>
+              <a:buFont typeface="Arial" panose="020B0604020202020204" pitchFamily="34" charset="0"/>
+              <a:buChar char="•"/>
+            </a:pPr>
+            <a:endParaRPr lang="en-US" altLang="ko-KR" dirty="0">
+              <a:solidFill>
+                <a:schemeClr val="tx1"/>
+              </a:solidFill>
+            </a:endParaRPr>
+          </a:p>
+          <a:p>
+            <a:pPr marL="342900" indent="-342900">
+              <a:lnSpc>
+                <a:spcPct val="150000"/>
+              </a:lnSpc>
+              <a:buClr>
+                <a:srgbClr val="3B6EAD"/>
+              </a:buClr>
+              <a:buFont typeface="Arial" panose="020B0604020202020204" pitchFamily="34" charset="0"/>
+              <a:buChar char="•"/>
+            </a:pPr>
+            <a:r>
+              <a:rPr lang="en-US" altLang="ko-KR" dirty="0">
+                <a:solidFill>
+                  <a:schemeClr val="tx1"/>
+                </a:solidFill>
+              </a:rPr>
+              <a:t>MC</a:t>
+            </a:r>
+            <a:r>
+              <a:rPr lang="ko-KR" altLang="en-US" dirty="0">
+                <a:solidFill>
+                  <a:schemeClr val="tx1"/>
+                </a:solidFill>
+              </a:rPr>
+              <a:t>의 경우 </a:t>
+            </a:r>
+            <a:r>
+              <a:rPr lang="en-US" altLang="ko-KR" dirty="0">
+                <a:solidFill>
+                  <a:srgbClr val="FF0000"/>
+                </a:solidFill>
+              </a:rPr>
+              <a:t>(0, 1, 0, 1, 0, 0)</a:t>
+            </a:r>
+            <a:r>
+              <a:rPr lang="ko-KR" altLang="en-US" dirty="0">
+                <a:solidFill>
+                  <a:srgbClr val="FF0000"/>
+                </a:solidFill>
+              </a:rPr>
+              <a:t>이 한 번만 </a:t>
+            </a:r>
+            <a:r>
+              <a:rPr lang="ko-KR" altLang="en-US" dirty="0">
+                <a:solidFill>
+                  <a:schemeClr val="tx1"/>
+                </a:solidFill>
+              </a:rPr>
+              <a:t>수행되면 </a:t>
+            </a:r>
+            <a:r>
+              <a:rPr lang="en-US" altLang="ko-KR" dirty="0">
+                <a:solidFill>
+                  <a:schemeClr val="tx1"/>
+                </a:solidFill>
+              </a:rPr>
+              <a:t>() action(0) </a:t>
+            </a:r>
+            <a:r>
+              <a:rPr lang="ko-KR" altLang="en-US" dirty="0">
+                <a:solidFill>
+                  <a:schemeClr val="tx1"/>
+                </a:solidFill>
+              </a:rPr>
+              <a:t>부터 </a:t>
+            </a:r>
+            <a:r>
+              <a:rPr lang="en-US" altLang="ko-KR" dirty="0">
+                <a:solidFill>
+                  <a:schemeClr val="tx1"/>
+                </a:solidFill>
+              </a:rPr>
+              <a:t>(0, 1, 0, 1, 0) action(0)</a:t>
+            </a:r>
+            <a:r>
+              <a:rPr lang="ko-KR" altLang="en-US" dirty="0">
+                <a:solidFill>
+                  <a:schemeClr val="tx1"/>
+                </a:solidFill>
+              </a:rPr>
+              <a:t>까지 모두 학습된다</a:t>
+            </a:r>
+            <a:r>
+              <a:rPr lang="en-US" altLang="ko-KR" dirty="0">
+                <a:solidFill>
+                  <a:schemeClr val="tx1"/>
+                </a:solidFill>
+              </a:rPr>
+              <a:t>. </a:t>
+            </a:r>
+          </a:p>
+        </p:txBody>
+      </p:sp>
+      <p:cxnSp>
+        <p:nvCxnSpPr>
+          <p:cNvPr id="6" name="직선 연결선 5">
+            <a:extLst>
+              <a:ext uri="{FF2B5EF4-FFF2-40B4-BE49-F238E27FC236}">
+                <a16:creationId xmlns:a16="http://schemas.microsoft.com/office/drawing/2014/main" id="{E3805091-7B22-4443-AC84-39E89A1DCC8B}"/>
+              </a:ext>
+            </a:extLst>
+          </p:cNvPr>
+          <p:cNvCxnSpPr>
+            <a:cxnSpLocks/>
+          </p:cNvCxnSpPr>
+          <p:nvPr/>
+        </p:nvCxnSpPr>
+        <p:spPr>
+          <a:xfrm>
+            <a:off x="335360" y="764704"/>
+            <a:ext cx="11520372" cy="0"/>
+          </a:xfrm>
+          <a:prstGeom prst="line">
+            <a:avLst/>
+          </a:prstGeom>
+          <a:ln w="28575"/>
+        </p:spPr>
+        <p:style>
+          <a:lnRef idx="1">
+            <a:schemeClr val="accent1"/>
+          </a:lnRef>
+          <a:fillRef idx="0">
+            <a:schemeClr val="accent1"/>
+          </a:fillRef>
+          <a:effectRef idx="0">
+            <a:schemeClr val="accent1"/>
+          </a:effectRef>
+          <a:fontRef idx="minor">
+            <a:schemeClr val="tx1"/>
+          </a:fontRef>
+        </p:style>
+      </p:cxnSp>
+      <p:sp>
+        <p:nvSpPr>
+          <p:cNvPr id="7" name="TextBox 6">
+            <a:extLst>
+              <a:ext uri="{FF2B5EF4-FFF2-40B4-BE49-F238E27FC236}">
+                <a16:creationId xmlns:a16="http://schemas.microsoft.com/office/drawing/2014/main" id="{B5A887B7-ED84-4E0D-9BA0-744E56A2B453}"/>
+              </a:ext>
+            </a:extLst>
+          </p:cNvPr>
+          <p:cNvSpPr txBox="1"/>
+          <p:nvPr/>
+        </p:nvSpPr>
+        <p:spPr>
+          <a:xfrm>
+            <a:off x="335360" y="188641"/>
+            <a:ext cx="7200800" cy="646331"/>
+          </a:xfrm>
+          <a:prstGeom prst="rect">
+            <a:avLst/>
+          </a:prstGeom>
+          <a:noFill/>
+        </p:spPr>
+        <p:txBody>
+          <a:bodyPr wrap="square" rtlCol="0">
+            <a:spAutoFit/>
+          </a:bodyPr>
+          <a:lstStyle/>
+          <a:p>
+            <a:r>
+              <a:rPr lang="en-US" altLang="ko-KR" sz="3600" dirty="0">
+                <a:solidFill>
+                  <a:srgbClr val="3B6EAD"/>
+                </a:solidFill>
+                <a:latin typeface="KoPubWorld돋움체 Bold" panose="00000800000000000000" pitchFamily="2" charset="-127"/>
+                <a:ea typeface="KoPubWorld돋움체 Bold" panose="00000800000000000000" pitchFamily="2" charset="-127"/>
+                <a:cs typeface="KoPubWorld돋움체 Bold" panose="00000800000000000000" pitchFamily="2" charset="-127"/>
+              </a:rPr>
+              <a:t>LR WORLD</a:t>
+            </a:r>
+            <a:endParaRPr lang="ko-KR" altLang="en-US" sz="3600" dirty="0">
+              <a:solidFill>
+                <a:srgbClr val="3B6EAD"/>
+              </a:solidFill>
+              <a:latin typeface="KoPubWorld돋움체 Bold" panose="00000800000000000000" pitchFamily="2" charset="-127"/>
+              <a:ea typeface="KoPubWorld돋움체 Bold" panose="00000800000000000000" pitchFamily="2" charset="-127"/>
+              <a:cs typeface="KoPubWorld돋움체 Bold" panose="00000800000000000000" pitchFamily="2" charset="-127"/>
+            </a:endParaRPr>
+          </a:p>
+        </p:txBody>
+      </p:sp>
+      <p:sp>
+        <p:nvSpPr>
+          <p:cNvPr id="9" name="직사각형 8">
+            <a:extLst>
+              <a:ext uri="{FF2B5EF4-FFF2-40B4-BE49-F238E27FC236}">
+                <a16:creationId xmlns:a16="http://schemas.microsoft.com/office/drawing/2014/main" id="{CEB51307-0E2E-48CE-A782-864AE9FEACCF}"/>
+              </a:ext>
+            </a:extLst>
+          </p:cNvPr>
+          <p:cNvSpPr/>
+          <p:nvPr/>
+        </p:nvSpPr>
+        <p:spPr>
+          <a:xfrm>
+            <a:off x="336268" y="863961"/>
+            <a:ext cx="11520372" cy="476802"/>
+          </a:xfrm>
+          <a:prstGeom prst="rect">
+            <a:avLst/>
+          </a:prstGeom>
+          <a:ln w="3175"/>
+        </p:spPr>
+        <p:style>
+          <a:lnRef idx="2">
+            <a:schemeClr val="accent1">
+              <a:shade val="50000"/>
+            </a:schemeClr>
+          </a:lnRef>
+          <a:fillRef idx="1">
+            <a:schemeClr val="accent1"/>
+          </a:fillRef>
+          <a:effectRef idx="0">
+            <a:schemeClr val="accent1"/>
+          </a:effectRef>
+          <a:fontRef idx="minor">
+            <a:schemeClr val="lt1"/>
+          </a:fontRef>
+        </p:style>
+        <p:txBody>
+          <a:bodyPr rtlCol="0" anchor="b"/>
+          <a:lstStyle/>
+          <a:p>
+            <a:pPr algn="ctr"/>
+            <a:r>
+              <a:rPr lang="ko-KR" altLang="en-US" sz="2400" b="1" dirty="0">
+                <a:latin typeface="KoPubWorld돋움체 Bold" panose="00000800000000000000" pitchFamily="2" charset="-127"/>
+                <a:ea typeface="KoPubWorld돋움체 Bold" panose="00000800000000000000" pitchFamily="2" charset="-127"/>
+                <a:cs typeface="KoPubWorld돋움체 Bold" panose="00000800000000000000" pitchFamily="2" charset="-127"/>
+              </a:rPr>
+              <a:t>결과 분석</a:t>
+            </a:r>
+          </a:p>
+        </p:txBody>
+      </p:sp>
+      <p:sp>
+        <p:nvSpPr>
+          <p:cNvPr id="4" name="슬라이드 번호 개체 틀 3">
+            <a:extLst>
+              <a:ext uri="{FF2B5EF4-FFF2-40B4-BE49-F238E27FC236}">
+                <a16:creationId xmlns:a16="http://schemas.microsoft.com/office/drawing/2014/main" id="{480223BB-FB30-495A-94E2-B1138BCBA358}"/>
+              </a:ext>
+            </a:extLst>
+          </p:cNvPr>
+          <p:cNvSpPr>
+            <a:spLocks noGrp="1"/>
+          </p:cNvSpPr>
+          <p:nvPr>
+            <p:ph type="sldNum" sz="quarter" idx="12"/>
+          </p:nvPr>
+        </p:nvSpPr>
+        <p:spPr/>
+        <p:txBody>
+          <a:bodyPr/>
+          <a:lstStyle/>
+          <a:p>
+            <a:fld id="{4BEDD84E-25D4-4983-8AA1-2863C96F08D9}" type="slidenum">
+              <a:rPr lang="ko-KR" altLang="en-US" smtClean="0"/>
+              <a:pPr/>
+              <a:t>12</a:t>
+            </a:fld>
+            <a:endParaRPr lang="ko-KR" altLang="en-US" dirty="0"/>
+          </a:p>
+        </p:txBody>
+      </p:sp>
+    </p:spTree>
+    <p:extLst>
+      <p:ext uri="{BB962C8B-B14F-4D97-AF65-F5344CB8AC3E}">
+        <p14:creationId xmlns:p14="http://schemas.microsoft.com/office/powerpoint/2010/main" val="2440021319"/>
+      </p:ext>
+    </p:extLst>
+  </p:cSld>
+  <p:clrMapOvr>
+    <a:masterClrMapping/>
+  </p:clrMapOvr>
+</p:sld>
+</file>
+
+<file path=ppt/slides/slide13.xml><?xml version="1.0" encoding="utf-8"?>
+<p:sld xmlns:a="http://schemas.openxmlformats.org/drawingml/2006/main" xmlns:r="http://schemas.openxmlformats.org/officeDocument/2006/relationships" xmlns:p="http://schemas.openxmlformats.org/presentationml/2006/main">
+  <p:cSld>
+    <p:spTree>
+      <p:nvGrpSpPr>
+        <p:cNvPr id="1" name=""/>
+        <p:cNvGrpSpPr/>
+        <p:nvPr/>
+      </p:nvGrpSpPr>
+      <p:grpSpPr>
+        <a:xfrm>
+          <a:off x="0" y="0"/>
+          <a:ext cx="0" cy="0"/>
+          <a:chOff x="0" y="0"/>
+          <a:chExt cx="0" cy="0"/>
+        </a:xfrm>
+      </p:grpSpPr>
+      <p:sp>
+        <p:nvSpPr>
+          <p:cNvPr id="8" name="직사각형 7">
+            <a:extLst>
+              <a:ext uri="{FF2B5EF4-FFF2-40B4-BE49-F238E27FC236}">
+                <a16:creationId xmlns:a16="http://schemas.microsoft.com/office/drawing/2014/main" id="{67BFE034-ACE9-425E-A456-EEA0884D50BF}"/>
+              </a:ext>
+            </a:extLst>
+          </p:cNvPr>
+          <p:cNvSpPr/>
+          <p:nvPr/>
+        </p:nvSpPr>
+        <p:spPr>
+          <a:xfrm>
+            <a:off x="335360" y="1340763"/>
+            <a:ext cx="11520372" cy="5015588"/>
+          </a:xfrm>
+          <a:prstGeom prst="rect">
+            <a:avLst/>
+          </a:prstGeom>
+          <a:noFill/>
+          <a:ln w="3175"/>
+        </p:spPr>
+        <p:style>
+          <a:lnRef idx="2">
+            <a:schemeClr val="accent1">
+              <a:shade val="50000"/>
+            </a:schemeClr>
+          </a:lnRef>
+          <a:fillRef idx="1">
+            <a:schemeClr val="accent1"/>
+          </a:fillRef>
+          <a:effectRef idx="0">
+            <a:schemeClr val="accent1"/>
+          </a:effectRef>
+          <a:fontRef idx="minor">
+            <a:schemeClr val="lt1"/>
+          </a:fontRef>
+        </p:style>
+        <p:txBody>
+          <a:bodyPr rtlCol="0" anchor="t"/>
+          <a:lstStyle/>
+          <a:p>
+            <a:pPr>
+              <a:buClr>
+                <a:srgbClr val="3B6EAD"/>
+              </a:buClr>
+            </a:pPr>
+            <a:r>
+              <a:rPr lang="ko-KR" altLang="en-US" dirty="0">
+                <a:solidFill>
+                  <a:schemeClr val="tx1"/>
+                </a:solidFill>
+              </a:rPr>
+              <a:t>각 학습 방법의 분산과 편향</a:t>
+            </a:r>
+            <a:endParaRPr lang="en-US" altLang="ko-KR" dirty="0">
+              <a:solidFill>
+                <a:schemeClr val="tx1"/>
+              </a:solidFill>
+            </a:endParaRPr>
+          </a:p>
+          <a:p>
+            <a:pPr>
+              <a:buClr>
+                <a:srgbClr val="3B6EAD"/>
+              </a:buClr>
+            </a:pPr>
+            <a:endParaRPr lang="en-US" altLang="ko-KR" b="0" i="0" dirty="0">
+              <a:solidFill>
+                <a:schemeClr val="tx1"/>
+              </a:solidFill>
+              <a:effectLst/>
+            </a:endParaRPr>
+          </a:p>
+          <a:p>
+            <a:pPr>
+              <a:buClr>
+                <a:srgbClr val="3B6EAD"/>
+              </a:buClr>
+            </a:pPr>
+            <a:r>
+              <a:rPr lang="en-US" altLang="ko-KR" i="0" dirty="0">
+                <a:solidFill>
+                  <a:srgbClr val="666666"/>
+                </a:solidFill>
+                <a:effectLst/>
+                <a:ea typeface="NanumGothic" pitchFamily="2" charset="-127"/>
+              </a:rPr>
+              <a:t>	“</a:t>
+            </a:r>
+            <a:r>
+              <a:rPr lang="ko-KR" altLang="en-US" i="0" dirty="0" err="1">
+                <a:solidFill>
+                  <a:srgbClr val="666666"/>
+                </a:solidFill>
+                <a:effectLst/>
+                <a:ea typeface="NanumGothic" pitchFamily="2" charset="-127"/>
+              </a:rPr>
+              <a:t>예측값들과</a:t>
+            </a:r>
+            <a:r>
+              <a:rPr lang="ko-KR" altLang="en-US" i="0" dirty="0">
+                <a:solidFill>
+                  <a:srgbClr val="666666"/>
+                </a:solidFill>
+                <a:effectLst/>
+                <a:ea typeface="NanumGothic" pitchFamily="2" charset="-127"/>
+              </a:rPr>
+              <a:t> 정답이 대체로 멀리 떨어져 있으면 결과의 편향</a:t>
+            </a:r>
+            <a:r>
+              <a:rPr lang="en-US" altLang="ko-KR" i="0" dirty="0">
+                <a:solidFill>
+                  <a:srgbClr val="666666"/>
+                </a:solidFill>
+                <a:effectLst/>
+                <a:ea typeface="NanumGothic" pitchFamily="2" charset="-127"/>
+              </a:rPr>
+              <a:t>(bias)</a:t>
+            </a:r>
+            <a:r>
+              <a:rPr lang="ko-KR" altLang="en-US" i="0" dirty="0">
+                <a:solidFill>
+                  <a:srgbClr val="666666"/>
+                </a:solidFill>
+                <a:effectLst/>
+                <a:ea typeface="NanumGothic" pitchFamily="2" charset="-127"/>
+              </a:rPr>
+              <a:t>이 높다고 말하고</a:t>
+            </a:r>
+            <a:r>
+              <a:rPr lang="en-US" altLang="ko-KR" i="0" dirty="0">
+                <a:solidFill>
+                  <a:srgbClr val="666666"/>
+                </a:solidFill>
+                <a:effectLst/>
+                <a:ea typeface="NanumGothic" pitchFamily="2" charset="-127"/>
+              </a:rPr>
+              <a:t>,</a:t>
+            </a:r>
+            <a:br>
+              <a:rPr lang="en-US" altLang="ko-KR" i="0" dirty="0">
+                <a:solidFill>
+                  <a:srgbClr val="666666"/>
+                </a:solidFill>
+                <a:effectLst/>
+                <a:ea typeface="NanumGothic" pitchFamily="2" charset="-127"/>
+              </a:rPr>
+            </a:br>
+            <a:r>
+              <a:rPr lang="en-US" altLang="ko-KR" i="0" dirty="0">
+                <a:solidFill>
+                  <a:srgbClr val="666666"/>
+                </a:solidFill>
+                <a:effectLst/>
+                <a:ea typeface="NanumGothic" pitchFamily="2" charset="-127"/>
+              </a:rPr>
+              <a:t> 	 </a:t>
+            </a:r>
+            <a:r>
+              <a:rPr lang="ko-KR" altLang="en-US" i="0" dirty="0" err="1">
+                <a:solidFill>
+                  <a:srgbClr val="666666"/>
+                </a:solidFill>
+                <a:effectLst/>
+                <a:ea typeface="NanumGothic" pitchFamily="2" charset="-127"/>
+              </a:rPr>
+              <a:t>예측값들이</a:t>
+            </a:r>
+            <a:r>
+              <a:rPr lang="ko-KR" altLang="en-US" i="0" dirty="0">
+                <a:solidFill>
+                  <a:srgbClr val="666666"/>
+                </a:solidFill>
+                <a:effectLst/>
+                <a:ea typeface="NanumGothic" pitchFamily="2" charset="-127"/>
+              </a:rPr>
+              <a:t> 자기들끼리 대체로 멀리 흩어져 있으면 결과의 분산</a:t>
+            </a:r>
+            <a:r>
+              <a:rPr lang="en-US" altLang="ko-KR" i="0" dirty="0">
+                <a:solidFill>
+                  <a:srgbClr val="666666"/>
+                </a:solidFill>
+                <a:effectLst/>
+                <a:ea typeface="NanumGothic" pitchFamily="2" charset="-127"/>
+              </a:rPr>
+              <a:t>(variance)</a:t>
+            </a:r>
+            <a:r>
+              <a:rPr lang="ko-KR" altLang="en-US" i="0" dirty="0">
+                <a:solidFill>
+                  <a:srgbClr val="666666"/>
+                </a:solidFill>
+                <a:effectLst/>
+                <a:ea typeface="NanumGothic" pitchFamily="2" charset="-127"/>
+              </a:rPr>
+              <a:t>이 높다고 말합니다</a:t>
+            </a:r>
+            <a:r>
+              <a:rPr lang="en-US" altLang="ko-KR" i="0" dirty="0">
+                <a:solidFill>
+                  <a:srgbClr val="666666"/>
+                </a:solidFill>
+                <a:effectLst/>
+                <a:ea typeface="NanumGothic" pitchFamily="2" charset="-127"/>
+              </a:rPr>
+              <a:t>.”</a:t>
+            </a:r>
+          </a:p>
+          <a:p>
+            <a:pPr>
+              <a:buClr>
+                <a:srgbClr val="3B6EAD"/>
+              </a:buClr>
+            </a:pPr>
+            <a:endParaRPr lang="en-US" altLang="ko-KR" dirty="0">
+              <a:solidFill>
+                <a:srgbClr val="666666"/>
+              </a:solidFill>
+              <a:ea typeface="NanumGothic" pitchFamily="2" charset="-127"/>
+              <a:cs typeface="KoPubWorld돋움체 Medium" panose="00000600000000000000" pitchFamily="2" charset="-127"/>
+            </a:endParaRPr>
+          </a:p>
+          <a:p>
+            <a:pPr>
+              <a:buClr>
+                <a:srgbClr val="3B6EAD"/>
+              </a:buClr>
+            </a:pPr>
+            <a:r>
+              <a:rPr lang="en-US" altLang="ko-KR" dirty="0" err="1">
+                <a:solidFill>
+                  <a:schemeClr val="tx1"/>
+                </a:solidFill>
+                <a:ea typeface="NanumGothic" pitchFamily="2" charset="-127"/>
+                <a:cs typeface="KoPubWorld돋움체 Medium" panose="00000600000000000000" pitchFamily="2" charset="-127"/>
+              </a:rPr>
+              <a:t>Qlearning</a:t>
+            </a:r>
+            <a:r>
+              <a:rPr lang="ko-KR" altLang="en-US" dirty="0">
+                <a:solidFill>
+                  <a:schemeClr val="tx1"/>
+                </a:solidFill>
+                <a:ea typeface="NanumGothic" pitchFamily="2" charset="-127"/>
+                <a:cs typeface="KoPubWorld돋움체 Medium" panose="00000600000000000000" pitchFamily="2" charset="-127"/>
+              </a:rPr>
+              <a:t>이 가장 잘못 선택된 정책으로 값에 영향을 받지 않는다</a:t>
+            </a:r>
+            <a:r>
+              <a:rPr lang="en-US" altLang="ko-KR" dirty="0">
+                <a:solidFill>
+                  <a:schemeClr val="tx1"/>
+                </a:solidFill>
+                <a:ea typeface="NanumGothic" pitchFamily="2" charset="-127"/>
+                <a:cs typeface="KoPubWorld돋움체 Medium" panose="00000600000000000000" pitchFamily="2" charset="-127"/>
+              </a:rPr>
+              <a:t>.(</a:t>
+            </a:r>
+            <a:r>
+              <a:rPr lang="ko-KR" altLang="en-US" dirty="0">
+                <a:solidFill>
+                  <a:schemeClr val="tx1"/>
+                </a:solidFill>
+                <a:ea typeface="NanumGothic" pitchFamily="2" charset="-127"/>
+                <a:cs typeface="KoPubWorld돋움체 Medium" panose="00000600000000000000" pitchFamily="2" charset="-127"/>
+              </a:rPr>
+              <a:t>즉 안정적으로 학습한다</a:t>
+            </a:r>
+            <a:r>
+              <a:rPr lang="en-US" altLang="ko-KR" dirty="0">
+                <a:solidFill>
+                  <a:schemeClr val="tx1"/>
+                </a:solidFill>
+                <a:ea typeface="NanumGothic" pitchFamily="2" charset="-127"/>
+                <a:cs typeface="KoPubWorld돋움체 Medium" panose="00000600000000000000" pitchFamily="2" charset="-127"/>
+              </a:rPr>
+              <a:t>)</a:t>
+            </a:r>
+          </a:p>
+          <a:p>
+            <a:pPr>
+              <a:buClr>
+                <a:srgbClr val="3B6EAD"/>
+              </a:buClr>
+            </a:pPr>
+            <a:r>
+              <a:rPr lang="ko-KR" altLang="en-US" dirty="0">
+                <a:solidFill>
+                  <a:schemeClr val="tx1"/>
+                </a:solidFill>
+                <a:ea typeface="NanumGothic" pitchFamily="2" charset="-127"/>
+                <a:cs typeface="KoPubWorld돋움체 Medium" panose="00000600000000000000" pitchFamily="2" charset="-127"/>
+              </a:rPr>
+              <a:t>그 다음 덜 받는 </a:t>
+            </a:r>
+            <a:r>
+              <a:rPr lang="en-US" altLang="ko-KR" dirty="0">
+                <a:solidFill>
+                  <a:schemeClr val="tx1"/>
+                </a:solidFill>
+                <a:ea typeface="NanumGothic" pitchFamily="2" charset="-127"/>
+                <a:cs typeface="KoPubWorld돋움체 Medium" panose="00000600000000000000" pitchFamily="2" charset="-127"/>
+              </a:rPr>
+              <a:t>SARSA, </a:t>
+            </a:r>
+            <a:r>
+              <a:rPr lang="ko-KR" altLang="en-US" dirty="0">
+                <a:solidFill>
+                  <a:schemeClr val="tx1"/>
+                </a:solidFill>
+                <a:ea typeface="NanumGothic" pitchFamily="2" charset="-127"/>
+                <a:cs typeface="KoPubWorld돋움체 Medium" panose="00000600000000000000" pitchFamily="2" charset="-127"/>
+              </a:rPr>
+              <a:t>영향을 많이 받는 </a:t>
+            </a:r>
+            <a:r>
+              <a:rPr lang="en-US" altLang="ko-KR" dirty="0">
+                <a:solidFill>
+                  <a:schemeClr val="tx1"/>
+                </a:solidFill>
+                <a:ea typeface="NanumGothic" pitchFamily="2" charset="-127"/>
+                <a:cs typeface="KoPubWorld돋움체 Medium" panose="00000600000000000000" pitchFamily="2" charset="-127"/>
+              </a:rPr>
+              <a:t>MC</a:t>
+            </a:r>
+          </a:p>
+          <a:p>
+            <a:pPr>
+              <a:buClr>
+                <a:srgbClr val="3B6EAD"/>
+              </a:buClr>
+            </a:pPr>
+            <a:endParaRPr lang="en-US" altLang="ko-KR" dirty="0">
+              <a:solidFill>
+                <a:schemeClr val="tx1"/>
+              </a:solidFill>
+              <a:ea typeface="NanumGothic" pitchFamily="2" charset="-127"/>
+              <a:cs typeface="KoPubWorld돋움체 Medium" panose="00000600000000000000" pitchFamily="2" charset="-127"/>
+            </a:endParaRPr>
+          </a:p>
+          <a:p>
+            <a:pPr>
+              <a:buClr>
+                <a:srgbClr val="3B6EAD"/>
+              </a:buClr>
+            </a:pPr>
+            <a:r>
+              <a:rPr lang="ko-KR" altLang="en-US" dirty="0">
+                <a:solidFill>
+                  <a:schemeClr val="tx1"/>
+                </a:solidFill>
+                <a:ea typeface="NanumGothic" pitchFamily="2" charset="-127"/>
+                <a:cs typeface="KoPubWorld돋움체 Medium" panose="00000600000000000000" pitchFamily="2" charset="-127"/>
+              </a:rPr>
+              <a:t>분산  </a:t>
+            </a:r>
+            <a:r>
+              <a:rPr lang="en-US" altLang="ko-KR" dirty="0">
+                <a:solidFill>
+                  <a:schemeClr val="tx1"/>
+                </a:solidFill>
+                <a:ea typeface="NanumGothic" pitchFamily="2" charset="-127"/>
+                <a:cs typeface="KoPubWorld돋움체 Medium" panose="00000600000000000000" pitchFamily="2" charset="-127"/>
+              </a:rPr>
+              <a:t>:   </a:t>
+            </a:r>
+            <a:r>
+              <a:rPr lang="en-US" altLang="ko-KR" dirty="0" err="1">
+                <a:solidFill>
+                  <a:schemeClr val="tx1"/>
+                </a:solidFill>
+                <a:ea typeface="NanumGothic" pitchFamily="2" charset="-127"/>
+                <a:cs typeface="KoPubWorld돋움체 Medium" panose="00000600000000000000" pitchFamily="2" charset="-127"/>
+              </a:rPr>
+              <a:t>Qlearning</a:t>
+            </a:r>
+            <a:r>
+              <a:rPr lang="en-US" altLang="ko-KR" dirty="0">
+                <a:solidFill>
+                  <a:schemeClr val="tx1"/>
+                </a:solidFill>
+                <a:ea typeface="NanumGothic" pitchFamily="2" charset="-127"/>
+                <a:cs typeface="KoPubWorld돋움체 Medium" panose="00000600000000000000" pitchFamily="2" charset="-127"/>
+              </a:rPr>
+              <a:t> &lt;  SARSA  &lt; MC</a:t>
+            </a:r>
+          </a:p>
+          <a:p>
+            <a:pPr>
+              <a:buClr>
+                <a:srgbClr val="3B6EAD"/>
+              </a:buClr>
+            </a:pPr>
+            <a:endParaRPr lang="en-US" altLang="ko-KR" dirty="0">
+              <a:solidFill>
+                <a:schemeClr val="tx1"/>
+              </a:solidFill>
+              <a:ea typeface="NanumGothic" pitchFamily="2" charset="-127"/>
+              <a:cs typeface="KoPubWorld돋움체 Medium" panose="00000600000000000000" pitchFamily="2" charset="-127"/>
+            </a:endParaRPr>
+          </a:p>
+          <a:p>
+            <a:pPr>
+              <a:buClr>
+                <a:srgbClr val="3B6EAD"/>
+              </a:buClr>
+            </a:pPr>
+            <a:r>
+              <a:rPr lang="en-US" altLang="ko-KR" dirty="0">
+                <a:solidFill>
+                  <a:schemeClr val="tx1"/>
+                </a:solidFill>
+                <a:ea typeface="NanumGothic" pitchFamily="2" charset="-127"/>
+                <a:cs typeface="KoPubWorld돋움체 Medium" panose="00000600000000000000" pitchFamily="2" charset="-127"/>
+              </a:rPr>
+              <a:t>MC</a:t>
+            </a:r>
+            <a:r>
+              <a:rPr lang="ko-KR" altLang="en-US" dirty="0">
+                <a:solidFill>
+                  <a:schemeClr val="tx1"/>
+                </a:solidFill>
+                <a:ea typeface="NanumGothic" pitchFamily="2" charset="-127"/>
+                <a:cs typeface="KoPubWorld돋움체 Medium" panose="00000600000000000000" pitchFamily="2" charset="-127"/>
+              </a:rPr>
+              <a:t>는 리턴의 평균값을 구하는 경우 이므로 </a:t>
+            </a:r>
+            <a:r>
+              <a:rPr lang="en-US" altLang="ko-KR" dirty="0">
+                <a:solidFill>
+                  <a:schemeClr val="tx1"/>
+                </a:solidFill>
+                <a:ea typeface="NanumGothic" pitchFamily="2" charset="-127"/>
+                <a:cs typeface="KoPubWorld돋움체 Medium" panose="00000600000000000000" pitchFamily="2" charset="-127"/>
+              </a:rPr>
+              <a:t>(</a:t>
+            </a:r>
+            <a:r>
+              <a:rPr lang="ko-KR" altLang="en-US" dirty="0">
+                <a:solidFill>
+                  <a:schemeClr val="tx1"/>
+                </a:solidFill>
+                <a:ea typeface="NanumGothic" pitchFamily="2" charset="-127"/>
+                <a:cs typeface="KoPubWorld돋움체 Medium" panose="00000600000000000000" pitchFamily="2" charset="-127"/>
+              </a:rPr>
+              <a:t>평균값의 경우 샘플 수를 늘리면 결국 </a:t>
+            </a:r>
+            <a:r>
+              <a:rPr lang="ko-KR" altLang="en-US" dirty="0" err="1">
+                <a:solidFill>
+                  <a:schemeClr val="tx1"/>
+                </a:solidFill>
+                <a:ea typeface="NanumGothic" pitchFamily="2" charset="-127"/>
+                <a:cs typeface="KoPubWorld돋움체 Medium" panose="00000600000000000000" pitchFamily="2" charset="-127"/>
+              </a:rPr>
+              <a:t>진리값에</a:t>
+            </a:r>
+            <a:r>
+              <a:rPr lang="ko-KR" altLang="en-US" dirty="0">
+                <a:solidFill>
+                  <a:schemeClr val="tx1"/>
+                </a:solidFill>
+                <a:ea typeface="NanumGothic" pitchFamily="2" charset="-127"/>
+                <a:cs typeface="KoPubWorld돋움체 Medium" panose="00000600000000000000" pitchFamily="2" charset="-127"/>
+              </a:rPr>
+              <a:t> 도달한다</a:t>
+            </a:r>
+            <a:r>
+              <a:rPr lang="en-US" altLang="ko-KR">
+                <a:solidFill>
+                  <a:schemeClr val="tx1"/>
+                </a:solidFill>
+                <a:ea typeface="NanumGothic" pitchFamily="2" charset="-127"/>
+                <a:cs typeface="KoPubWorld돋움체 Medium" panose="00000600000000000000" pitchFamily="2" charset="-127"/>
+              </a:rPr>
+              <a:t>)</a:t>
+            </a:r>
+            <a:endParaRPr lang="en-US" altLang="ko-KR" dirty="0">
+              <a:solidFill>
+                <a:schemeClr val="tx1"/>
+              </a:solidFill>
+              <a:ea typeface="NanumGothic" pitchFamily="2" charset="-127"/>
+              <a:cs typeface="KoPubWorld돋움체 Medium" panose="00000600000000000000" pitchFamily="2" charset="-127"/>
+            </a:endParaRPr>
+          </a:p>
+          <a:p>
+            <a:pPr>
+              <a:buClr>
+                <a:srgbClr val="3B6EAD"/>
+              </a:buClr>
+            </a:pPr>
+            <a:r>
+              <a:rPr lang="en-US" altLang="ko-KR" dirty="0" err="1">
+                <a:solidFill>
+                  <a:schemeClr val="tx1"/>
+                </a:solidFill>
+                <a:ea typeface="NanumGothic" pitchFamily="2" charset="-127"/>
+                <a:cs typeface="KoPubWorld돋움체 Medium" panose="00000600000000000000" pitchFamily="2" charset="-127"/>
+              </a:rPr>
+              <a:t>Qlearning</a:t>
+            </a:r>
+            <a:r>
+              <a:rPr lang="ko-KR" altLang="en-US" dirty="0">
+                <a:solidFill>
+                  <a:schemeClr val="tx1"/>
+                </a:solidFill>
+                <a:ea typeface="NanumGothic" pitchFamily="2" charset="-127"/>
+                <a:cs typeface="KoPubWorld돋움체 Medium" panose="00000600000000000000" pitchFamily="2" charset="-127"/>
+              </a:rPr>
+              <a:t>은 </a:t>
+            </a:r>
+            <a:r>
+              <a:rPr lang="ko-KR" altLang="en-US" dirty="0" err="1">
+                <a:solidFill>
+                  <a:schemeClr val="tx1"/>
+                </a:solidFill>
+                <a:ea typeface="NanumGothic" pitchFamily="2" charset="-127"/>
+                <a:cs typeface="KoPubWorld돋움체 Medium" panose="00000600000000000000" pitchFamily="2" charset="-127"/>
+              </a:rPr>
+              <a:t>최고값만을</a:t>
+            </a:r>
+            <a:r>
+              <a:rPr lang="ko-KR" altLang="en-US" dirty="0">
+                <a:solidFill>
+                  <a:schemeClr val="tx1"/>
+                </a:solidFill>
+                <a:ea typeface="NanumGothic" pitchFamily="2" charset="-127"/>
+                <a:cs typeface="KoPubWorld돋움체 Medium" panose="00000600000000000000" pitchFamily="2" charset="-127"/>
+              </a:rPr>
+              <a:t> 업데이트 하므로 잘못된 값으로 수렴해버릴 가능성이 높다</a:t>
+            </a:r>
+            <a:r>
+              <a:rPr lang="en-US" altLang="ko-KR" dirty="0">
+                <a:solidFill>
+                  <a:schemeClr val="tx1"/>
+                </a:solidFill>
+                <a:ea typeface="NanumGothic" pitchFamily="2" charset="-127"/>
+                <a:cs typeface="KoPubWorld돋움체 Medium" panose="00000600000000000000" pitchFamily="2" charset="-127"/>
+              </a:rPr>
+              <a:t>. </a:t>
+            </a:r>
+          </a:p>
+          <a:p>
+            <a:pPr>
+              <a:buClr>
+                <a:srgbClr val="3B6EAD"/>
+              </a:buClr>
+            </a:pPr>
+            <a:r>
+              <a:rPr lang="en-US" altLang="ko-KR" dirty="0">
+                <a:solidFill>
+                  <a:schemeClr val="tx1"/>
+                </a:solidFill>
+                <a:ea typeface="NanumGothic" pitchFamily="2" charset="-127"/>
+                <a:cs typeface="KoPubWorld돋움체 Medium" panose="00000600000000000000" pitchFamily="2" charset="-127"/>
+              </a:rPr>
+              <a:t>(</a:t>
+            </a:r>
+            <a:r>
+              <a:rPr lang="ko-KR" altLang="en-US" dirty="0">
+                <a:solidFill>
+                  <a:schemeClr val="tx1"/>
+                </a:solidFill>
+                <a:ea typeface="NanumGothic" pitchFamily="2" charset="-127"/>
+                <a:cs typeface="KoPubWorld돋움체 Medium" panose="00000600000000000000" pitchFamily="2" charset="-127"/>
+              </a:rPr>
+              <a:t>만일 전이확률이 있을 경우 </a:t>
+            </a:r>
+            <a:r>
+              <a:rPr lang="en-US" altLang="ko-KR" dirty="0" err="1">
+                <a:solidFill>
+                  <a:schemeClr val="tx1"/>
+                </a:solidFill>
+                <a:ea typeface="NanumGothic" pitchFamily="2" charset="-127"/>
+                <a:cs typeface="KoPubWorld돋움체 Medium" panose="00000600000000000000" pitchFamily="2" charset="-127"/>
+              </a:rPr>
+              <a:t>Qlearning</a:t>
+            </a:r>
+            <a:r>
+              <a:rPr lang="ko-KR" altLang="en-US" dirty="0">
+                <a:solidFill>
+                  <a:schemeClr val="tx1"/>
+                </a:solidFill>
+                <a:ea typeface="NanumGothic" pitchFamily="2" charset="-127"/>
+                <a:cs typeface="KoPubWorld돋움체 Medium" panose="00000600000000000000" pitchFamily="2" charset="-127"/>
+              </a:rPr>
+              <a:t>은 항상 좋았던 것만 생각해서 업데이트 함으로 정답과 먼 곳으로 갈 확률이 높다</a:t>
+            </a:r>
+            <a:r>
+              <a:rPr lang="en-US" altLang="ko-KR" dirty="0">
+                <a:solidFill>
+                  <a:schemeClr val="tx1"/>
+                </a:solidFill>
+                <a:ea typeface="NanumGothic" pitchFamily="2" charset="-127"/>
+                <a:cs typeface="KoPubWorld돋움체 Medium" panose="00000600000000000000" pitchFamily="2" charset="-127"/>
+              </a:rPr>
+              <a:t>.) -&gt;</a:t>
+            </a:r>
+            <a:r>
+              <a:rPr lang="ko-KR" altLang="en-US" dirty="0">
+                <a:solidFill>
+                  <a:schemeClr val="tx1"/>
+                </a:solidFill>
+                <a:ea typeface="NanumGothic" pitchFamily="2" charset="-127"/>
+                <a:cs typeface="KoPubWorld돋움체 Medium" panose="00000600000000000000" pitchFamily="2" charset="-127"/>
+              </a:rPr>
+              <a:t>말을 안 들음</a:t>
+            </a:r>
+            <a:r>
+              <a:rPr lang="en-US" altLang="ko-KR" dirty="0">
+                <a:solidFill>
+                  <a:schemeClr val="tx1"/>
+                </a:solidFill>
+                <a:ea typeface="NanumGothic" pitchFamily="2" charset="-127"/>
+                <a:cs typeface="KoPubWorld돋움체 Medium" panose="00000600000000000000" pitchFamily="2" charset="-127"/>
+              </a:rPr>
+              <a:t>.</a:t>
+            </a:r>
+          </a:p>
+          <a:p>
+            <a:pPr>
+              <a:buClr>
+                <a:srgbClr val="3B6EAD"/>
+              </a:buClr>
+            </a:pPr>
+            <a:endParaRPr lang="en-US" altLang="ko-KR" dirty="0">
+              <a:solidFill>
+                <a:schemeClr val="tx1"/>
+              </a:solidFill>
+              <a:ea typeface="NanumGothic" pitchFamily="2" charset="-127"/>
+              <a:cs typeface="KoPubWorld돋움체 Medium" panose="00000600000000000000" pitchFamily="2" charset="-127"/>
+            </a:endParaRPr>
+          </a:p>
+          <a:p>
+            <a:pPr>
+              <a:buClr>
+                <a:srgbClr val="3B6EAD"/>
+              </a:buClr>
+            </a:pPr>
+            <a:r>
+              <a:rPr lang="ko-KR" altLang="en-US" dirty="0">
+                <a:solidFill>
+                  <a:schemeClr val="tx1"/>
+                </a:solidFill>
+                <a:ea typeface="NanumGothic" pitchFamily="2" charset="-127"/>
+                <a:cs typeface="KoPubWorld돋움체 Medium" panose="00000600000000000000" pitchFamily="2" charset="-127"/>
+              </a:rPr>
+              <a:t>편향  </a:t>
+            </a:r>
+            <a:r>
+              <a:rPr lang="en-US" altLang="ko-KR" dirty="0">
+                <a:solidFill>
+                  <a:schemeClr val="tx1"/>
+                </a:solidFill>
+                <a:ea typeface="NanumGothic" pitchFamily="2" charset="-127"/>
+                <a:cs typeface="KoPubWorld돋움체 Medium" panose="00000600000000000000" pitchFamily="2" charset="-127"/>
+              </a:rPr>
+              <a:t>:   MC  &lt;  SARSA  &lt;  </a:t>
+            </a:r>
+            <a:r>
+              <a:rPr lang="en-US" altLang="ko-KR" dirty="0" err="1">
+                <a:solidFill>
+                  <a:schemeClr val="tx1"/>
+                </a:solidFill>
+                <a:ea typeface="NanumGothic" pitchFamily="2" charset="-127"/>
+                <a:cs typeface="KoPubWorld돋움체 Medium" panose="00000600000000000000" pitchFamily="2" charset="-127"/>
+              </a:rPr>
+              <a:t>Qlearning</a:t>
+            </a:r>
+            <a:endParaRPr lang="en-US" altLang="ko-KR" dirty="0">
+              <a:solidFill>
+                <a:schemeClr val="tx1"/>
+              </a:solidFill>
+              <a:ea typeface="NanumGothic" pitchFamily="2" charset="-127"/>
+              <a:cs typeface="KoPubWorld돋움체 Medium" panose="00000600000000000000" pitchFamily="2" charset="-127"/>
+            </a:endParaRPr>
+          </a:p>
+        </p:txBody>
+      </p:sp>
+      <p:cxnSp>
+        <p:nvCxnSpPr>
+          <p:cNvPr id="6" name="직선 연결선 5">
+            <a:extLst>
+              <a:ext uri="{FF2B5EF4-FFF2-40B4-BE49-F238E27FC236}">
+                <a16:creationId xmlns:a16="http://schemas.microsoft.com/office/drawing/2014/main" id="{E3805091-7B22-4443-AC84-39E89A1DCC8B}"/>
+              </a:ext>
+            </a:extLst>
+          </p:cNvPr>
+          <p:cNvCxnSpPr>
+            <a:cxnSpLocks/>
+          </p:cNvCxnSpPr>
+          <p:nvPr/>
+        </p:nvCxnSpPr>
+        <p:spPr>
+          <a:xfrm>
+            <a:off x="335360" y="764704"/>
+            <a:ext cx="11520372" cy="0"/>
+          </a:xfrm>
+          <a:prstGeom prst="line">
+            <a:avLst/>
+          </a:prstGeom>
+          <a:ln w="28575"/>
+        </p:spPr>
+        <p:style>
+          <a:lnRef idx="1">
+            <a:schemeClr val="accent1"/>
+          </a:lnRef>
+          <a:fillRef idx="0">
+            <a:schemeClr val="accent1"/>
+          </a:fillRef>
+          <a:effectRef idx="0">
+            <a:schemeClr val="accent1"/>
+          </a:effectRef>
+          <a:fontRef idx="minor">
+            <a:schemeClr val="tx1"/>
+          </a:fontRef>
+        </p:style>
+      </p:cxnSp>
+      <p:sp>
+        <p:nvSpPr>
+          <p:cNvPr id="7" name="TextBox 6">
+            <a:extLst>
+              <a:ext uri="{FF2B5EF4-FFF2-40B4-BE49-F238E27FC236}">
+                <a16:creationId xmlns:a16="http://schemas.microsoft.com/office/drawing/2014/main" id="{B5A887B7-ED84-4E0D-9BA0-744E56A2B453}"/>
+              </a:ext>
+            </a:extLst>
+          </p:cNvPr>
+          <p:cNvSpPr txBox="1"/>
+          <p:nvPr/>
+        </p:nvSpPr>
+        <p:spPr>
+          <a:xfrm>
+            <a:off x="335360" y="188641"/>
+            <a:ext cx="7200800" cy="646331"/>
+          </a:xfrm>
+          <a:prstGeom prst="rect">
+            <a:avLst/>
+          </a:prstGeom>
+          <a:noFill/>
+        </p:spPr>
+        <p:txBody>
+          <a:bodyPr wrap="square" rtlCol="0">
+            <a:spAutoFit/>
+          </a:bodyPr>
+          <a:lstStyle/>
+          <a:p>
+            <a:r>
+              <a:rPr lang="en-US" altLang="ko-KR" sz="3600" dirty="0">
+                <a:solidFill>
+                  <a:srgbClr val="3B6EAD"/>
+                </a:solidFill>
+                <a:latin typeface="KoPubWorld돋움체 Bold" panose="00000800000000000000" pitchFamily="2" charset="-127"/>
+                <a:ea typeface="KoPubWorld돋움체 Bold" panose="00000800000000000000" pitchFamily="2" charset="-127"/>
+                <a:cs typeface="KoPubWorld돋움체 Bold" panose="00000800000000000000" pitchFamily="2" charset="-127"/>
+              </a:rPr>
+              <a:t>LR WORLD</a:t>
+            </a:r>
+            <a:endParaRPr lang="ko-KR" altLang="en-US" sz="3600" dirty="0">
+              <a:solidFill>
+                <a:srgbClr val="3B6EAD"/>
+              </a:solidFill>
+              <a:latin typeface="KoPubWorld돋움체 Bold" panose="00000800000000000000" pitchFamily="2" charset="-127"/>
+              <a:ea typeface="KoPubWorld돋움체 Bold" panose="00000800000000000000" pitchFamily="2" charset="-127"/>
+              <a:cs typeface="KoPubWorld돋움체 Bold" panose="00000800000000000000" pitchFamily="2" charset="-127"/>
+            </a:endParaRPr>
+          </a:p>
+        </p:txBody>
+      </p:sp>
+      <p:sp>
+        <p:nvSpPr>
+          <p:cNvPr id="9" name="직사각형 8">
+            <a:extLst>
+              <a:ext uri="{FF2B5EF4-FFF2-40B4-BE49-F238E27FC236}">
+                <a16:creationId xmlns:a16="http://schemas.microsoft.com/office/drawing/2014/main" id="{CEB51307-0E2E-48CE-A782-864AE9FEACCF}"/>
+              </a:ext>
+            </a:extLst>
+          </p:cNvPr>
+          <p:cNvSpPr/>
+          <p:nvPr/>
+        </p:nvSpPr>
+        <p:spPr>
+          <a:xfrm>
+            <a:off x="336268" y="863961"/>
+            <a:ext cx="11520372" cy="476802"/>
+          </a:xfrm>
+          <a:prstGeom prst="rect">
+            <a:avLst/>
+          </a:prstGeom>
+          <a:ln w="3175"/>
+        </p:spPr>
+        <p:style>
+          <a:lnRef idx="2">
+            <a:schemeClr val="accent1">
+              <a:shade val="50000"/>
+            </a:schemeClr>
+          </a:lnRef>
+          <a:fillRef idx="1">
+            <a:schemeClr val="accent1"/>
+          </a:fillRef>
+          <a:effectRef idx="0">
+            <a:schemeClr val="accent1"/>
+          </a:effectRef>
+          <a:fontRef idx="minor">
+            <a:schemeClr val="lt1"/>
+          </a:fontRef>
+        </p:style>
+        <p:txBody>
+          <a:bodyPr rtlCol="0" anchor="b"/>
+          <a:lstStyle/>
+          <a:p>
+            <a:pPr algn="ctr"/>
+            <a:r>
+              <a:rPr lang="ko-KR" altLang="en-US" sz="2400" b="1" dirty="0">
+                <a:latin typeface="KoPubWorld돋움체 Bold" panose="00000800000000000000" pitchFamily="2" charset="-127"/>
+                <a:ea typeface="KoPubWorld돋움체 Bold" panose="00000800000000000000" pitchFamily="2" charset="-127"/>
+                <a:cs typeface="KoPubWorld돋움체 Bold" panose="00000800000000000000" pitchFamily="2" charset="-127"/>
+              </a:rPr>
+              <a:t>결과 분석</a:t>
+            </a:r>
+          </a:p>
+        </p:txBody>
+      </p:sp>
+      <p:sp>
+        <p:nvSpPr>
+          <p:cNvPr id="4" name="슬라이드 번호 개체 틀 3">
+            <a:extLst>
+              <a:ext uri="{FF2B5EF4-FFF2-40B4-BE49-F238E27FC236}">
+                <a16:creationId xmlns:a16="http://schemas.microsoft.com/office/drawing/2014/main" id="{480223BB-FB30-495A-94E2-B1138BCBA358}"/>
+              </a:ext>
+            </a:extLst>
+          </p:cNvPr>
+          <p:cNvSpPr>
+            <a:spLocks noGrp="1"/>
+          </p:cNvSpPr>
+          <p:nvPr>
+            <p:ph type="sldNum" sz="quarter" idx="12"/>
+          </p:nvPr>
+        </p:nvSpPr>
+        <p:spPr/>
+        <p:txBody>
+          <a:bodyPr/>
+          <a:lstStyle/>
+          <a:p>
+            <a:fld id="{4BEDD84E-25D4-4983-8AA1-2863C96F08D9}" type="slidenum">
+              <a:rPr lang="ko-KR" altLang="en-US" smtClean="0"/>
+              <a:pPr/>
+              <a:t>13</a:t>
+            </a:fld>
+            <a:endParaRPr lang="ko-KR" altLang="en-US" dirty="0"/>
+          </a:p>
+        </p:txBody>
+      </p:sp>
+    </p:spTree>
+    <p:extLst>
+      <p:ext uri="{BB962C8B-B14F-4D97-AF65-F5344CB8AC3E}">
+        <p14:creationId xmlns:p14="http://schemas.microsoft.com/office/powerpoint/2010/main" val="2380779939"/>
       </p:ext>
     </p:extLst>
   </p:cSld>
@@ -7691,102 +11274,6 @@
           </a:p>
         </p:txBody>
       </p:sp>
-      <p:sp>
-        <p:nvSpPr>
-          <p:cNvPr id="65" name="직사각형 64">
-            <a:extLst>
-              <a:ext uri="{FF2B5EF4-FFF2-40B4-BE49-F238E27FC236}">
-                <a16:creationId xmlns:a16="http://schemas.microsoft.com/office/drawing/2014/main" id="{3C58EFB9-8D28-7EE6-0D0D-33B5B81DA72C}"/>
-              </a:ext>
-            </a:extLst>
-          </p:cNvPr>
-          <p:cNvSpPr/>
-          <p:nvPr/>
-        </p:nvSpPr>
-        <p:spPr>
-          <a:xfrm>
-            <a:off x="9393856" y="1456299"/>
-            <a:ext cx="2405432" cy="520254"/>
-          </a:xfrm>
-          <a:prstGeom prst="rect">
-            <a:avLst/>
-          </a:prstGeom>
-          <a:noFill/>
-          <a:ln>
-            <a:solidFill>
-              <a:srgbClr val="FF0000"/>
-            </a:solidFill>
-          </a:ln>
-        </p:spPr>
-        <p:style>
-          <a:lnRef idx="2">
-            <a:schemeClr val="accent1">
-              <a:shade val="50000"/>
-            </a:schemeClr>
-          </a:lnRef>
-          <a:fillRef idx="1">
-            <a:schemeClr val="accent1"/>
-          </a:fillRef>
-          <a:effectRef idx="0">
-            <a:schemeClr val="accent1"/>
-          </a:effectRef>
-          <a:fontRef idx="minor">
-            <a:schemeClr val="lt1"/>
-          </a:fontRef>
-        </p:style>
-        <p:txBody>
-          <a:bodyPr rtlCol="0" anchor="ctr"/>
-          <a:lstStyle/>
-          <a:p>
-            <a:pPr algn="ctr"/>
-            <a:r>
-              <a:rPr lang="en-US" altLang="ko-KR" sz="1500" b="1" dirty="0">
-                <a:solidFill>
-                  <a:schemeClr val="tx1"/>
-                </a:solidFill>
-              </a:rPr>
-              <a:t>Q-learning</a:t>
-            </a:r>
-            <a:r>
-              <a:rPr lang="ko-KR" altLang="en-US" sz="1500" b="1" dirty="0">
-                <a:solidFill>
-                  <a:schemeClr val="tx1"/>
-                </a:solidFill>
-              </a:rPr>
-              <a:t>이 </a:t>
-            </a:r>
-            <a:r>
-              <a:rPr lang="en-US" altLang="ko-KR" sz="1500" b="1" dirty="0">
-                <a:solidFill>
-                  <a:schemeClr val="tx1"/>
-                </a:solidFill>
-              </a:rPr>
-              <a:t>SARSA</a:t>
-            </a:r>
-            <a:r>
-              <a:rPr lang="ko-KR" altLang="en-US" sz="1500" b="1" dirty="0">
-                <a:solidFill>
-                  <a:schemeClr val="tx1"/>
-                </a:solidFill>
-              </a:rPr>
-              <a:t>보다 더 수렴을 빨리함</a:t>
-            </a:r>
-            <a:r>
-              <a:rPr lang="en-US" altLang="ko-KR" sz="1500" b="1" dirty="0">
-                <a:solidFill>
-                  <a:schemeClr val="tx1"/>
-                </a:solidFill>
-              </a:rPr>
-              <a:t>.</a:t>
-            </a:r>
-            <a:endParaRPr lang="ko-KR" altLang="en-US" sz="1500" b="1" dirty="0">
-              <a:solidFill>
-                <a:schemeClr val="tx1"/>
-              </a:solidFill>
-            </a:endParaRPr>
-          </a:p>
-        </p:txBody>
-      </p:sp>
     </p:spTree>
     <p:extLst>
       <p:ext uri="{BB962C8B-B14F-4D97-AF65-F5344CB8AC3E}">
@@ -9145,12 +12632,42 @@
           </a:p>
         </p:txBody>
       </p:sp>
+    </p:spTree>
+    <p:extLst>
+      <p:ext uri="{BB962C8B-B14F-4D97-AF65-F5344CB8AC3E}">
+        <p14:creationId xmlns:p14="http://schemas.microsoft.com/office/powerpoint/2010/main" val="3214249507"/>
+      </p:ext>
+    </p:extLst>
+  </p:cSld>
+  <p:clrMapOvr>
+    <a:masterClrMapping/>
+  </p:clrMapOvr>
+</p:sld>
+</file>
+
+<file path=ppt/slides/slide9.xml><?xml version="1.0" encoding="utf-8"?>
+<p:sld xmlns:a="http://schemas.openxmlformats.org/drawingml/2006/main" xmlns:r="http://schemas.openxmlformats.org/officeDocument/2006/relationships" xmlns:p="http://schemas.openxmlformats.org/presentationml/2006/main">
+  <p:cSld>
+    <p:spTree>
+      <p:nvGrpSpPr>
+        <p:cNvPr id="1" name=""/>
+        <p:cNvGrpSpPr/>
+        <p:nvPr/>
+      </p:nvGrpSpPr>
+      <p:grpSpPr>
+        <a:xfrm>
+          <a:off x="0" y="0"/>
+          <a:ext cx="0" cy="0"/>
+          <a:chOff x="0" y="0"/>
+          <a:chExt cx="0" cy="0"/>
+        </a:xfrm>
+      </p:grpSpPr>
       <p:sp>
         <p:nvSpPr>
-          <p:cNvPr id="65" name="직사각형 64">
+          <p:cNvPr id="8" name="직사각형 7">
             <a:extLst>
               <a:ext uri="{FF2B5EF4-FFF2-40B4-BE49-F238E27FC236}">
-                <a16:creationId xmlns:a16="http://schemas.microsoft.com/office/drawing/2014/main" id="{3C58EFB9-8D28-7EE6-0D0D-33B5B81DA72C}"/>
+                <a16:creationId xmlns:a16="http://schemas.microsoft.com/office/drawing/2014/main" id="{67BFE034-ACE9-425E-A456-EEA0884D50BF}"/>
               </a:ext>
             </a:extLst>
           </p:cNvPr>
@@ -9159,17 +12676,509 @@
         </p:nvSpPr>
         <p:spPr>
           <a:xfrm>
-            <a:off x="8839200" y="1456299"/>
-            <a:ext cx="2960088" cy="520254"/>
+            <a:off x="335360" y="1340763"/>
+            <a:ext cx="11520372" cy="5015588"/>
           </a:xfrm>
           <a:prstGeom prst="rect">
             <a:avLst/>
           </a:prstGeom>
           <a:noFill/>
+          <a:ln w="3175"/>
+        </p:spPr>
+        <p:style>
+          <a:lnRef idx="2">
+            <a:schemeClr val="accent1">
+              <a:shade val="50000"/>
+            </a:schemeClr>
+          </a:lnRef>
+          <a:fillRef idx="1">
+            <a:schemeClr val="accent1"/>
+          </a:fillRef>
+          <a:effectRef idx="0">
+            <a:schemeClr val="accent1"/>
+          </a:effectRef>
+          <a:fontRef idx="minor">
+            <a:schemeClr val="lt1"/>
+          </a:fontRef>
+        </p:style>
+        <p:txBody>
+          <a:bodyPr rtlCol="0" anchor="t"/>
+          <a:lstStyle/>
+          <a:p>
+            <a:pPr>
+              <a:buClr>
+                <a:srgbClr val="3B6EAD"/>
+              </a:buClr>
+            </a:pPr>
+            <a:endParaRPr lang="en-US" altLang="ko-KR" dirty="0">
+              <a:solidFill>
+                <a:schemeClr val="tx1"/>
+              </a:solidFill>
+              <a:latin typeface="KoPubWorld돋움체 Medium" panose="00000600000000000000" pitchFamily="2" charset="-127"/>
+              <a:ea typeface="KoPubWorld돋움체 Medium" panose="00000600000000000000" pitchFamily="2" charset="-127"/>
+              <a:cs typeface="KoPubWorld돋움체 Medium" panose="00000600000000000000" pitchFamily="2" charset="-127"/>
+            </a:endParaRPr>
+          </a:p>
+        </p:txBody>
+      </p:sp>
+      <p:cxnSp>
+        <p:nvCxnSpPr>
+          <p:cNvPr id="6" name="직선 연결선 5">
+            <a:extLst>
+              <a:ext uri="{FF2B5EF4-FFF2-40B4-BE49-F238E27FC236}">
+                <a16:creationId xmlns:a16="http://schemas.microsoft.com/office/drawing/2014/main" id="{E3805091-7B22-4443-AC84-39E89A1DCC8B}"/>
+              </a:ext>
+            </a:extLst>
+          </p:cNvPr>
+          <p:cNvCxnSpPr>
+            <a:cxnSpLocks/>
+          </p:cNvCxnSpPr>
+          <p:nvPr/>
+        </p:nvCxnSpPr>
+        <p:spPr>
+          <a:xfrm>
+            <a:off x="335360" y="764704"/>
+            <a:ext cx="11520372" cy="0"/>
+          </a:xfrm>
+          <a:prstGeom prst="line">
+            <a:avLst/>
+          </a:prstGeom>
+          <a:ln w="28575"/>
+        </p:spPr>
+        <p:style>
+          <a:lnRef idx="1">
+            <a:schemeClr val="accent1"/>
+          </a:lnRef>
+          <a:fillRef idx="0">
+            <a:schemeClr val="accent1"/>
+          </a:fillRef>
+          <a:effectRef idx="0">
+            <a:schemeClr val="accent1"/>
+          </a:effectRef>
+          <a:fontRef idx="minor">
+            <a:schemeClr val="tx1"/>
+          </a:fontRef>
+        </p:style>
+      </p:cxnSp>
+      <p:sp>
+        <p:nvSpPr>
+          <p:cNvPr id="7" name="TextBox 6">
+            <a:extLst>
+              <a:ext uri="{FF2B5EF4-FFF2-40B4-BE49-F238E27FC236}">
+                <a16:creationId xmlns:a16="http://schemas.microsoft.com/office/drawing/2014/main" id="{B5A887B7-ED84-4E0D-9BA0-744E56A2B453}"/>
+              </a:ext>
+            </a:extLst>
+          </p:cNvPr>
+          <p:cNvSpPr txBox="1"/>
+          <p:nvPr/>
+        </p:nvSpPr>
+        <p:spPr>
+          <a:xfrm>
+            <a:off x="335360" y="188641"/>
+            <a:ext cx="7200800" cy="646331"/>
+          </a:xfrm>
+          <a:prstGeom prst="rect">
+            <a:avLst/>
+          </a:prstGeom>
+          <a:noFill/>
+        </p:spPr>
+        <p:txBody>
+          <a:bodyPr wrap="square" rtlCol="0">
+            <a:spAutoFit/>
+          </a:bodyPr>
+          <a:lstStyle/>
+          <a:p>
+            <a:r>
+              <a:rPr lang="en-US" altLang="ko-KR" sz="3600" dirty="0">
+                <a:solidFill>
+                  <a:srgbClr val="3B6EAD"/>
+                </a:solidFill>
+                <a:latin typeface="KoPubWorld돋움체 Bold" panose="00000800000000000000" pitchFamily="2" charset="-127"/>
+                <a:ea typeface="KoPubWorld돋움체 Bold" panose="00000800000000000000" pitchFamily="2" charset="-127"/>
+                <a:cs typeface="KoPubWorld돋움체 Bold" panose="00000800000000000000" pitchFamily="2" charset="-127"/>
+              </a:rPr>
+              <a:t>LR WORLD</a:t>
+            </a:r>
+            <a:endParaRPr lang="ko-KR" altLang="en-US" sz="3600" dirty="0">
+              <a:solidFill>
+                <a:srgbClr val="3B6EAD"/>
+              </a:solidFill>
+              <a:latin typeface="KoPubWorld돋움체 Bold" panose="00000800000000000000" pitchFamily="2" charset="-127"/>
+              <a:ea typeface="KoPubWorld돋움체 Bold" panose="00000800000000000000" pitchFamily="2" charset="-127"/>
+              <a:cs typeface="KoPubWorld돋움체 Bold" panose="00000800000000000000" pitchFamily="2" charset="-127"/>
+            </a:endParaRPr>
+          </a:p>
+        </p:txBody>
+      </p:sp>
+      <p:sp>
+        <p:nvSpPr>
+          <p:cNvPr id="9" name="직사각형 8">
+            <a:extLst>
+              <a:ext uri="{FF2B5EF4-FFF2-40B4-BE49-F238E27FC236}">
+                <a16:creationId xmlns:a16="http://schemas.microsoft.com/office/drawing/2014/main" id="{CEB51307-0E2E-48CE-A782-864AE9FEACCF}"/>
+              </a:ext>
+            </a:extLst>
+          </p:cNvPr>
+          <p:cNvSpPr/>
+          <p:nvPr/>
+        </p:nvSpPr>
+        <p:spPr>
+          <a:xfrm>
+            <a:off x="336268" y="863961"/>
+            <a:ext cx="11520372" cy="476802"/>
+          </a:xfrm>
+          <a:prstGeom prst="rect">
+            <a:avLst/>
+          </a:prstGeom>
+          <a:ln w="3175"/>
+        </p:spPr>
+        <p:style>
+          <a:lnRef idx="2">
+            <a:schemeClr val="accent1">
+              <a:shade val="50000"/>
+            </a:schemeClr>
+          </a:lnRef>
+          <a:fillRef idx="1">
+            <a:schemeClr val="accent1"/>
+          </a:fillRef>
+          <a:effectRef idx="0">
+            <a:schemeClr val="accent1"/>
+          </a:effectRef>
+          <a:fontRef idx="minor">
+            <a:schemeClr val="lt1"/>
+          </a:fontRef>
+        </p:style>
+        <p:txBody>
+          <a:bodyPr rtlCol="0" anchor="b"/>
+          <a:lstStyle/>
+          <a:p>
+            <a:pPr algn="ctr"/>
+            <a:r>
+              <a:rPr lang="ko-KR" altLang="en-US" sz="2400" b="1" dirty="0">
+                <a:latin typeface="KoPubWorld돋움체 Bold" panose="00000800000000000000" pitchFamily="2" charset="-127"/>
+                <a:ea typeface="KoPubWorld돋움체 Bold" panose="00000800000000000000" pitchFamily="2" charset="-127"/>
+                <a:cs typeface="KoPubWorld돋움체 Bold" panose="00000800000000000000" pitchFamily="2" charset="-127"/>
+              </a:rPr>
+              <a:t>결과 분석</a:t>
+            </a:r>
+            <a:r>
+              <a:rPr lang="en-US" altLang="ko-KR" sz="2400" b="1" dirty="0">
+                <a:latin typeface="KoPubWorld돋움체 Bold" panose="00000800000000000000" pitchFamily="2" charset="-127"/>
+                <a:ea typeface="KoPubWorld돋움체 Bold" panose="00000800000000000000" pitchFamily="2" charset="-127"/>
+                <a:cs typeface="KoPubWorld돋움체 Bold" panose="00000800000000000000" pitchFamily="2" charset="-127"/>
+              </a:rPr>
+              <a:t>(</a:t>
+            </a:r>
+            <a:r>
+              <a:rPr lang="el-GR" altLang="ko-KR" sz="2400" b="0" i="0" dirty="0">
+                <a:solidFill>
+                  <a:schemeClr val="bg1"/>
+                </a:solidFill>
+                <a:effectLst/>
+                <a:latin typeface="AppleSDGothicNeo"/>
+              </a:rPr>
+              <a:t>γ</a:t>
+            </a:r>
+            <a:r>
+              <a:rPr lang="en-US" altLang="ko-KR" sz="2400" b="0" i="0" dirty="0">
+                <a:solidFill>
+                  <a:schemeClr val="bg1"/>
+                </a:solidFill>
+                <a:effectLst/>
+                <a:latin typeface="AppleSDGothicNeo"/>
+              </a:rPr>
+              <a:t> = 1</a:t>
+            </a:r>
+            <a:r>
+              <a:rPr lang="en-US" altLang="ko-KR" sz="2400" b="1" dirty="0">
+                <a:latin typeface="KoPubWorld돋움체 Bold" panose="00000800000000000000" pitchFamily="2" charset="-127"/>
+                <a:ea typeface="KoPubWorld돋움체 Bold" panose="00000800000000000000" pitchFamily="2" charset="-127"/>
+                <a:cs typeface="KoPubWorld돋움체 Bold" panose="00000800000000000000" pitchFamily="2" charset="-127"/>
+              </a:rPr>
+              <a:t>)</a:t>
+            </a:r>
+            <a:endParaRPr lang="ko-KR" altLang="en-US" sz="2400" b="1" dirty="0">
+              <a:latin typeface="KoPubWorld돋움체 Bold" panose="00000800000000000000" pitchFamily="2" charset="-127"/>
+              <a:ea typeface="KoPubWorld돋움체 Bold" panose="00000800000000000000" pitchFamily="2" charset="-127"/>
+              <a:cs typeface="KoPubWorld돋움체 Bold" panose="00000800000000000000" pitchFamily="2" charset="-127"/>
+            </a:endParaRPr>
+          </a:p>
+        </p:txBody>
+      </p:sp>
+      <p:sp>
+        <p:nvSpPr>
+          <p:cNvPr id="4" name="슬라이드 번호 개체 틀 3">
+            <a:extLst>
+              <a:ext uri="{FF2B5EF4-FFF2-40B4-BE49-F238E27FC236}">
+                <a16:creationId xmlns:a16="http://schemas.microsoft.com/office/drawing/2014/main" id="{480223BB-FB30-495A-94E2-B1138BCBA358}"/>
+              </a:ext>
+            </a:extLst>
+          </p:cNvPr>
+          <p:cNvSpPr>
+            <a:spLocks noGrp="1"/>
+          </p:cNvSpPr>
+          <p:nvPr>
+            <p:ph type="sldNum" sz="quarter" idx="12"/>
+          </p:nvPr>
+        </p:nvSpPr>
+        <p:spPr/>
+        <p:txBody>
+          <a:bodyPr/>
+          <a:lstStyle/>
+          <a:p>
+            <a:fld id="{4BEDD84E-25D4-4983-8AA1-2863C96F08D9}" type="slidenum">
+              <a:rPr lang="ko-KR" altLang="en-US" smtClean="0"/>
+              <a:pPr/>
+              <a:t>9</a:t>
+            </a:fld>
+            <a:endParaRPr lang="ko-KR" altLang="en-US" dirty="0"/>
+          </a:p>
+        </p:txBody>
+      </p:sp>
+      <p:grpSp>
+        <p:nvGrpSpPr>
+          <p:cNvPr id="24" name="그룹 23">
+            <a:extLst>
+              <a:ext uri="{FF2B5EF4-FFF2-40B4-BE49-F238E27FC236}">
+                <a16:creationId xmlns:a16="http://schemas.microsoft.com/office/drawing/2014/main" id="{6B67186C-897F-BDF2-FD7E-E6148993C6C5}"/>
+              </a:ext>
+            </a:extLst>
+          </p:cNvPr>
+          <p:cNvGrpSpPr/>
+          <p:nvPr/>
+        </p:nvGrpSpPr>
+        <p:grpSpPr>
+          <a:xfrm>
+            <a:off x="539461" y="2234153"/>
+            <a:ext cx="11316271" cy="3964067"/>
+            <a:chOff x="490920" y="2031220"/>
+            <a:chExt cx="11316271" cy="3987891"/>
+          </a:xfrm>
+        </p:grpSpPr>
+        <p:pic>
+          <p:nvPicPr>
+            <p:cNvPr id="23" name="그림 22">
+              <a:extLst>
+                <a:ext uri="{FF2B5EF4-FFF2-40B4-BE49-F238E27FC236}">
+                  <a16:creationId xmlns:a16="http://schemas.microsoft.com/office/drawing/2014/main" id="{89EB83DD-8D71-DE3C-F123-586B6C0B7501}"/>
+                </a:ext>
+              </a:extLst>
+            </p:cNvPr>
+            <p:cNvPicPr>
+              <a:picLocks noChangeAspect="1"/>
+            </p:cNvPicPr>
+            <p:nvPr/>
+          </p:nvPicPr>
+          <p:blipFill>
+            <a:blip r:embed="rId3"/>
+            <a:stretch>
+              <a:fillRect/>
+            </a:stretch>
+          </p:blipFill>
+          <p:spPr>
+            <a:xfrm>
+              <a:off x="8333298" y="2031220"/>
+              <a:ext cx="3473893" cy="3924000"/>
+            </a:xfrm>
+            <a:prstGeom prst="rect">
+              <a:avLst/>
+            </a:prstGeom>
+          </p:spPr>
+        </p:pic>
+        <p:pic>
+          <p:nvPicPr>
+            <p:cNvPr id="5" name="그림 4">
+              <a:extLst>
+                <a:ext uri="{FF2B5EF4-FFF2-40B4-BE49-F238E27FC236}">
+                  <a16:creationId xmlns:a16="http://schemas.microsoft.com/office/drawing/2014/main" id="{6F285D82-FE68-C6F9-5DED-0926DE6ABEFE}"/>
+                </a:ext>
+              </a:extLst>
+            </p:cNvPr>
+            <p:cNvPicPr>
+              <a:picLocks noChangeAspect="1"/>
+            </p:cNvPicPr>
+            <p:nvPr/>
+          </p:nvPicPr>
+          <p:blipFill rotWithShape="1">
+            <a:blip r:embed="rId4"/>
+            <a:srcRect l="3782" t="2326" b="3982"/>
+            <a:stretch/>
+          </p:blipFill>
+          <p:spPr>
+            <a:xfrm>
+              <a:off x="490920" y="2094967"/>
+              <a:ext cx="3531634" cy="3924000"/>
+            </a:xfrm>
+            <a:prstGeom prst="rect">
+              <a:avLst/>
+            </a:prstGeom>
+          </p:spPr>
+        </p:pic>
+        <p:pic>
+          <p:nvPicPr>
+            <p:cNvPr id="13" name="그림 12">
+              <a:extLst>
+                <a:ext uri="{FF2B5EF4-FFF2-40B4-BE49-F238E27FC236}">
+                  <a16:creationId xmlns:a16="http://schemas.microsoft.com/office/drawing/2014/main" id="{EA189BAB-842D-F797-E755-C152D42952C0}"/>
+                </a:ext>
+              </a:extLst>
+            </p:cNvPr>
+            <p:cNvPicPr>
+              <a:picLocks noChangeAspect="1"/>
+            </p:cNvPicPr>
+            <p:nvPr/>
+          </p:nvPicPr>
+          <p:blipFill rotWithShape="1">
+            <a:blip r:embed="rId5"/>
+            <a:srcRect l="222" t="2384" r="5075" b="3416"/>
+            <a:stretch/>
+          </p:blipFill>
+          <p:spPr>
+            <a:xfrm>
+              <a:off x="4387347" y="2094968"/>
+              <a:ext cx="3600000" cy="3924143"/>
+            </a:xfrm>
+            <a:prstGeom prst="rect">
+              <a:avLst/>
+            </a:prstGeom>
+          </p:spPr>
+        </p:pic>
+        <p:sp>
+          <p:nvSpPr>
+            <p:cNvPr id="15" name="TextBox 14">
+              <a:extLst>
+                <a:ext uri="{FF2B5EF4-FFF2-40B4-BE49-F238E27FC236}">
+                  <a16:creationId xmlns:a16="http://schemas.microsoft.com/office/drawing/2014/main" id="{F804499A-04DD-A8AB-E908-8AB69E4755FC}"/>
+                </a:ext>
+              </a:extLst>
+            </p:cNvPr>
+            <p:cNvSpPr txBox="1"/>
+            <p:nvPr/>
+          </p:nvSpPr>
+          <p:spPr>
+            <a:xfrm>
+              <a:off x="759236" y="2094967"/>
+              <a:ext cx="609624" cy="369332"/>
+            </a:xfrm>
+            <a:prstGeom prst="rect">
+              <a:avLst/>
+            </a:prstGeom>
+            <a:noFill/>
+          </p:spPr>
+          <p:txBody>
+            <a:bodyPr wrap="square" rtlCol="0">
+              <a:spAutoFit/>
+            </a:bodyPr>
+            <a:lstStyle/>
+            <a:p>
+              <a:r>
+                <a:rPr lang="en-US" altLang="ko-KR" dirty="0"/>
+                <a:t>MC</a:t>
+              </a:r>
+              <a:endParaRPr lang="ko-KR" altLang="en-US" dirty="0"/>
+            </a:p>
+          </p:txBody>
+        </p:sp>
+        <p:sp>
+          <p:nvSpPr>
+            <p:cNvPr id="16" name="TextBox 15">
+              <a:extLst>
+                <a:ext uri="{FF2B5EF4-FFF2-40B4-BE49-F238E27FC236}">
+                  <a16:creationId xmlns:a16="http://schemas.microsoft.com/office/drawing/2014/main" id="{16D9B696-6509-4A94-B50F-8392906A4D99}"/>
+                </a:ext>
+              </a:extLst>
+            </p:cNvPr>
+            <p:cNvSpPr txBox="1"/>
+            <p:nvPr/>
+          </p:nvSpPr>
+          <p:spPr>
+            <a:xfrm>
+              <a:off x="4534363" y="2094967"/>
+              <a:ext cx="1333500" cy="369332"/>
+            </a:xfrm>
+            <a:prstGeom prst="rect">
+              <a:avLst/>
+            </a:prstGeom>
+            <a:noFill/>
+          </p:spPr>
+          <p:txBody>
+            <a:bodyPr wrap="square" rtlCol="0">
+              <a:spAutoFit/>
+            </a:bodyPr>
+            <a:lstStyle/>
+            <a:p>
+              <a:r>
+                <a:rPr lang="en-US" altLang="ko-KR" dirty="0"/>
+                <a:t>Q-learning</a:t>
+              </a:r>
+              <a:endParaRPr lang="ko-KR" altLang="en-US" dirty="0"/>
+            </a:p>
+          </p:txBody>
+        </p:sp>
+        <p:sp>
+          <p:nvSpPr>
+            <p:cNvPr id="17" name="TextBox 16">
+              <a:extLst>
+                <a:ext uri="{FF2B5EF4-FFF2-40B4-BE49-F238E27FC236}">
+                  <a16:creationId xmlns:a16="http://schemas.microsoft.com/office/drawing/2014/main" id="{4A247D67-BDCD-AE1C-50CC-2E1F92B11AED}"/>
+                </a:ext>
+              </a:extLst>
+            </p:cNvPr>
+            <p:cNvSpPr txBox="1"/>
+            <p:nvPr/>
+          </p:nvSpPr>
+          <p:spPr>
+            <a:xfrm>
+              <a:off x="8571251" y="2094967"/>
+              <a:ext cx="951675" cy="369332"/>
+            </a:xfrm>
+            <a:prstGeom prst="rect">
+              <a:avLst/>
+            </a:prstGeom>
+            <a:noFill/>
+          </p:spPr>
+          <p:txBody>
+            <a:bodyPr wrap="square" rtlCol="0">
+              <a:spAutoFit/>
+            </a:bodyPr>
+            <a:lstStyle/>
+            <a:p>
+              <a:r>
+                <a:rPr lang="en-US" altLang="ko-KR" dirty="0"/>
+                <a:t>SARSA</a:t>
+              </a:r>
+              <a:endParaRPr lang="ko-KR" altLang="en-US" dirty="0"/>
+            </a:p>
+          </p:txBody>
+        </p:sp>
+      </p:grpSp>
+      <p:sp>
+        <p:nvSpPr>
+          <p:cNvPr id="25" name="직사각형 24">
+            <a:extLst>
+              <a:ext uri="{FF2B5EF4-FFF2-40B4-BE49-F238E27FC236}">
+                <a16:creationId xmlns:a16="http://schemas.microsoft.com/office/drawing/2014/main" id="{CDFAAE4F-3517-B227-B1E5-45D9765C3A80}"/>
+              </a:ext>
+            </a:extLst>
+          </p:cNvPr>
+          <p:cNvSpPr/>
+          <p:nvPr/>
+        </p:nvSpPr>
+        <p:spPr>
+          <a:xfrm>
+            <a:off x="701246" y="1434089"/>
+            <a:ext cx="3208063" cy="715278"/>
+          </a:xfrm>
+          <a:prstGeom prst="rect">
+            <a:avLst/>
+          </a:prstGeom>
+          <a:solidFill>
+            <a:schemeClr val="accent1">
+              <a:alpha val="27000"/>
+            </a:schemeClr>
+          </a:solidFill>
           <a:ln>
-            <a:solidFill>
-              <a:srgbClr val="FF0000"/>
-            </a:solidFill>
+            <a:noFill/>
           </a:ln>
         </p:spPr>
         <p:style>
@@ -9192,40 +13201,111 @@
           <a:bodyPr rtlCol="0" anchor="ctr"/>
           <a:lstStyle/>
           <a:p>
-            <a:pPr algn="ctr"/>
-            <a:r>
-              <a:rPr lang="en-US" altLang="ko-KR" sz="1500" b="1" dirty="0">
-                <a:solidFill>
-                  <a:schemeClr val="tx1"/>
-                </a:solidFill>
-              </a:rPr>
-              <a:t>Q-learning</a:t>
-            </a:r>
             <a:r>
               <a:rPr lang="ko-KR" altLang="en-US" sz="1500" b="1" dirty="0">
                 <a:solidFill>
                   <a:schemeClr val="tx1"/>
                 </a:solidFill>
               </a:rPr>
-              <a:t>의 경우 일정 학습량을 넘어가면 </a:t>
-            </a:r>
-            <a:r>
-              <a:rPr lang="ko-KR" altLang="en-US" sz="1500" b="1" dirty="0" err="1">
-                <a:solidFill>
-                  <a:schemeClr val="tx1"/>
-                </a:solidFill>
-              </a:rPr>
-              <a:t>과적합된다</a:t>
-            </a:r>
-            <a:r>
-              <a:rPr lang="en-US" altLang="ko-KR" sz="1500" b="1" dirty="0">
-                <a:solidFill>
-                  <a:schemeClr val="tx1"/>
-                </a:solidFill>
-              </a:rPr>
-              <a:t>.</a:t>
-            </a:r>
-            <a:endParaRPr lang="ko-KR" altLang="en-US" sz="1500" b="1" dirty="0">
+              <a:t>조건</a:t>
+            </a:r>
+            <a:r>
+              <a:rPr lang="ko-KR" altLang="en-US" sz="1500" dirty="0">
+                <a:solidFill>
+                  <a:schemeClr val="tx1"/>
+                </a:solidFill>
+              </a:rPr>
+              <a:t> </a:t>
+            </a:r>
+            <a:r>
+              <a:rPr lang="en-US" altLang="ko-KR" sz="1500" dirty="0">
+                <a:solidFill>
+                  <a:schemeClr val="tx1"/>
+                </a:solidFill>
+              </a:rPr>
+              <a:t>: eps</a:t>
+            </a:r>
+            <a:r>
+              <a:rPr lang="ko-KR" altLang="en-US" sz="1500" dirty="0">
+                <a:solidFill>
+                  <a:schemeClr val="tx1"/>
+                </a:solidFill>
+              </a:rPr>
+              <a:t> </a:t>
+            </a:r>
+            <a:r>
+              <a:rPr lang="en-US" altLang="ko-KR" sz="1500" dirty="0">
+                <a:solidFill>
+                  <a:schemeClr val="tx1"/>
+                </a:solidFill>
+              </a:rPr>
+              <a:t>– 0.9</a:t>
+            </a:r>
+          </a:p>
+          <a:p>
+            <a:r>
+              <a:rPr lang="en-US" altLang="ko-KR" sz="1500" dirty="0">
+                <a:solidFill>
+                  <a:schemeClr val="tx1"/>
+                </a:solidFill>
+              </a:rPr>
+              <a:t>        eps</a:t>
+            </a:r>
+            <a:r>
+              <a:rPr lang="ko-KR" altLang="en-US" sz="1500" dirty="0">
+                <a:solidFill>
+                  <a:schemeClr val="tx1"/>
+                </a:solidFill>
+              </a:rPr>
+              <a:t>감소 값 </a:t>
+            </a:r>
+            <a:r>
+              <a:rPr lang="en-US" altLang="ko-KR" sz="1500" dirty="0">
+                <a:solidFill>
+                  <a:schemeClr val="tx1"/>
+                </a:solidFill>
+              </a:rPr>
+              <a:t>0.005</a:t>
+            </a:r>
+          </a:p>
+          <a:p>
+            <a:r>
+              <a:rPr lang="en-US" altLang="ko-KR" sz="1500" dirty="0">
+                <a:solidFill>
+                  <a:schemeClr val="tx1"/>
+                </a:solidFill>
+              </a:rPr>
+              <a:t>       </a:t>
+            </a:r>
+            <a:r>
+              <a:rPr lang="ko-KR" altLang="en-US" sz="1500" dirty="0"/>
+              <a:t> </a:t>
+            </a:r>
+            <a:r>
+              <a:rPr lang="ko-KR" altLang="en-US" sz="1500" dirty="0">
+                <a:solidFill>
+                  <a:schemeClr val="tx1"/>
+                </a:solidFill>
+              </a:rPr>
+              <a:t>에피소드 반복횟수 </a:t>
+            </a:r>
+            <a:r>
+              <a:rPr lang="en-US" altLang="ko-KR" sz="1500" dirty="0">
+                <a:solidFill>
+                  <a:schemeClr val="tx1"/>
+                </a:solidFill>
+              </a:rPr>
+              <a:t>1000</a:t>
+            </a:r>
+            <a:r>
+              <a:rPr lang="ko-KR" altLang="en-US" sz="1500" dirty="0">
+                <a:solidFill>
+                  <a:schemeClr val="tx1"/>
+                </a:solidFill>
+              </a:rPr>
+              <a:t>회</a:t>
+            </a:r>
+            <a:endParaRPr lang="en-US" altLang="ko-KR" sz="1500" dirty="0">
               <a:solidFill>
                 <a:schemeClr val="tx1"/>
               </a:solidFill>
@@ -9236,7 +13316,7 @@
     </p:spTree>
     <p:extLst>
       <p:ext uri="{BB962C8B-B14F-4D97-AF65-F5344CB8AC3E}">
-        <p14:creationId xmlns:p14="http://schemas.microsoft.com/office/powerpoint/2010/main" val="3214249507"/>
+        <p14:creationId xmlns:p14="http://schemas.microsoft.com/office/powerpoint/2010/main" val="1548667096"/>
       </p:ext>
     </p:extLst>
   </p:cSld>
